--- a/pres-source/08-spark-and-adjuncts.pptx
+++ b/pres-source/08-spark-and-adjuncts.pptx
@@ -5,7 +5,7 @@
     <p:sldMasterId id="2147483648" r:id="rId1"/>
   </p:sldMasterIdLst>
   <p:notesMasterIdLst>
-    <p:notesMasterId r:id="rId51"/>
+    <p:notesMasterId r:id="rId52"/>
   </p:notesMasterIdLst>
   <p:sldIdLst>
     <p:sldId id="256" r:id="rId2"/>
@@ -34,29 +34,30 @@
     <p:sldId id="282" r:id="rId25"/>
     <p:sldId id="278" r:id="rId26"/>
     <p:sldId id="279" r:id="rId27"/>
-    <p:sldId id="276" r:id="rId28"/>
-    <p:sldId id="268" r:id="rId29"/>
-    <p:sldId id="283" r:id="rId30"/>
-    <p:sldId id="277" r:id="rId31"/>
-    <p:sldId id="274" r:id="rId32"/>
-    <p:sldId id="310" r:id="rId33"/>
-    <p:sldId id="311" r:id="rId34"/>
-    <p:sldId id="312" r:id="rId35"/>
-    <p:sldId id="315" r:id="rId36"/>
-    <p:sldId id="281" r:id="rId37"/>
-    <p:sldId id="284" r:id="rId38"/>
-    <p:sldId id="313" r:id="rId39"/>
-    <p:sldId id="314" r:id="rId40"/>
-    <p:sldId id="275" r:id="rId41"/>
-    <p:sldId id="298" r:id="rId42"/>
-    <p:sldId id="294" r:id="rId43"/>
-    <p:sldId id="288" r:id="rId44"/>
-    <p:sldId id="287" r:id="rId45"/>
-    <p:sldId id="289" r:id="rId46"/>
-    <p:sldId id="290" r:id="rId47"/>
-    <p:sldId id="292" r:id="rId48"/>
-    <p:sldId id="291" r:id="rId49"/>
-    <p:sldId id="293" r:id="rId50"/>
+    <p:sldId id="316" r:id="rId28"/>
+    <p:sldId id="276" r:id="rId29"/>
+    <p:sldId id="268" r:id="rId30"/>
+    <p:sldId id="283" r:id="rId31"/>
+    <p:sldId id="277" r:id="rId32"/>
+    <p:sldId id="274" r:id="rId33"/>
+    <p:sldId id="310" r:id="rId34"/>
+    <p:sldId id="311" r:id="rId35"/>
+    <p:sldId id="312" r:id="rId36"/>
+    <p:sldId id="315" r:id="rId37"/>
+    <p:sldId id="281" r:id="rId38"/>
+    <p:sldId id="284" r:id="rId39"/>
+    <p:sldId id="313" r:id="rId40"/>
+    <p:sldId id="314" r:id="rId41"/>
+    <p:sldId id="275" r:id="rId42"/>
+    <p:sldId id="298" r:id="rId43"/>
+    <p:sldId id="294" r:id="rId44"/>
+    <p:sldId id="288" r:id="rId45"/>
+    <p:sldId id="287" r:id="rId46"/>
+    <p:sldId id="289" r:id="rId47"/>
+    <p:sldId id="290" r:id="rId48"/>
+    <p:sldId id="292" r:id="rId49"/>
+    <p:sldId id="291" r:id="rId50"/>
+    <p:sldId id="293" r:id="rId51"/>
   </p:sldIdLst>
   <p:sldSz cx="9144000" cy="6858000" type="screen4x3"/>
   <p:notesSz cx="6858000" cy="9144000"/>
@@ -245,7 +246,7 @@
             <a:fld id="{7307762F-A706-E543-A832-3C298AA3103F}" type="datetimeFigureOut">
               <a:rPr lang="en-US" smtClean="0"/>
               <a:pPr/>
-              <a:t>22/08/17</a:t>
+              <a:t>14/09/17</a:t>
             </a:fld>
             <a:endParaRPr lang="en-US" dirty="0"/>
           </a:p>
@@ -819,7 +820,7 @@
             <a:fld id="{875CF0EB-321F-0749-B37A-89BBA859503C}" type="datetimeFigureOut">
               <a:rPr lang="en-US" smtClean="0"/>
               <a:pPr/>
-              <a:t>22/08/17</a:t>
+              <a:t>14/09/17</a:t>
             </a:fld>
             <a:endParaRPr lang="en-US" dirty="0"/>
           </a:p>
@@ -1043,7 +1044,7 @@
             <a:fld id="{875CF0EB-321F-0749-B37A-89BBA859503C}" type="datetimeFigureOut">
               <a:rPr lang="en-US" smtClean="0"/>
               <a:pPr/>
-              <a:t>22/08/17</a:t>
+              <a:t>14/09/17</a:t>
             </a:fld>
             <a:endParaRPr lang="en-US" dirty="0"/>
           </a:p>
@@ -1257,7 +1258,7 @@
             <a:fld id="{875CF0EB-321F-0749-B37A-89BBA859503C}" type="datetimeFigureOut">
               <a:rPr lang="en-US" smtClean="0"/>
               <a:pPr/>
-              <a:t>22/08/17</a:t>
+              <a:t>14/09/17</a:t>
             </a:fld>
             <a:endParaRPr lang="en-US" dirty="0"/>
           </a:p>
@@ -1547,7 +1548,7 @@
             <a:fld id="{875CF0EB-321F-0749-B37A-89BBA859503C}" type="datetimeFigureOut">
               <a:rPr lang="en-US" smtClean="0"/>
               <a:pPr/>
-              <a:t>22/08/17</a:t>
+              <a:t>14/09/17</a:t>
             </a:fld>
             <a:endParaRPr lang="en-US" dirty="0"/>
           </a:p>
@@ -1879,7 +1880,7 @@
             <a:fld id="{875CF0EB-321F-0749-B37A-89BBA859503C}" type="datetimeFigureOut">
               <a:rPr lang="en-US" smtClean="0"/>
               <a:pPr/>
-              <a:t>22/08/17</a:t>
+              <a:t>14/09/17</a:t>
             </a:fld>
             <a:endParaRPr lang="en-US" dirty="0"/>
           </a:p>
@@ -2345,7 +2346,7 @@
             <a:fld id="{875CF0EB-321F-0749-B37A-89BBA859503C}" type="datetimeFigureOut">
               <a:rPr lang="en-US" smtClean="0"/>
               <a:pPr/>
-              <a:t>22/08/17</a:t>
+              <a:t>14/09/17</a:t>
             </a:fld>
             <a:endParaRPr lang="en-US" dirty="0"/>
           </a:p>
@@ -2507,7 +2508,7 @@
             <a:fld id="{875CF0EB-321F-0749-B37A-89BBA859503C}" type="datetimeFigureOut">
               <a:rPr lang="en-US" smtClean="0"/>
               <a:pPr/>
-              <a:t>22/08/17</a:t>
+              <a:t>14/09/17</a:t>
             </a:fld>
             <a:endParaRPr lang="en-US" dirty="0"/>
           </a:p>
@@ -2646,7 +2647,7 @@
             <a:fld id="{875CF0EB-321F-0749-B37A-89BBA859503C}" type="datetimeFigureOut">
               <a:rPr lang="en-US" smtClean="0"/>
               <a:pPr/>
-              <a:t>22/08/17</a:t>
+              <a:t>14/09/17</a:t>
             </a:fld>
             <a:endParaRPr lang="en-US" dirty="0"/>
           </a:p>
@@ -2967,7 +2968,7 @@
             <a:fld id="{875CF0EB-321F-0749-B37A-89BBA859503C}" type="datetimeFigureOut">
               <a:rPr lang="en-US" smtClean="0"/>
               <a:pPr/>
-              <a:t>22/08/17</a:t>
+              <a:t>14/09/17</a:t>
             </a:fld>
             <a:endParaRPr lang="en-US" dirty="0"/>
           </a:p>
@@ -3264,7 +3265,7 @@
             <a:fld id="{875CF0EB-321F-0749-B37A-89BBA859503C}" type="datetimeFigureOut">
               <a:rPr lang="en-US" smtClean="0"/>
               <a:pPr/>
-              <a:t>22/08/17</a:t>
+              <a:t>14/09/17</a:t>
             </a:fld>
             <a:endParaRPr lang="en-US" dirty="0"/>
           </a:p>
@@ -6788,6 +6789,278 @@
         </p:nvSpPr>
         <p:spPr/>
         <p:txBody>
+          <a:bodyPr>
+            <a:normAutofit fontScale="90000"/>
+          </a:bodyPr>
+          <a:lstStyle/>
+          <a:p>
+            <a:r>
+              <a:rPr lang="en-US" dirty="0" smtClean="0"/>
+              <a:t>Tuples</a:t>
+            </a:r>
+            <a:br>
+              <a:rPr lang="en-US" dirty="0" smtClean="0"/>
+            </a:br>
+            <a:r>
+              <a:rPr lang="en-US" dirty="0" smtClean="0"/>
+              <a:t>Clever pattern matching</a:t>
+            </a:r>
+            <a:endParaRPr lang="en-US" dirty="0"/>
+          </a:p>
+        </p:txBody>
+      </p:sp>
+      <p:sp>
+        <p:nvSpPr>
+          <p:cNvPr id="3" name="Content Placeholder 2"/>
+          <p:cNvSpPr>
+            <a:spLocks noGrp="1"/>
+          </p:cNvSpPr>
+          <p:nvPr>
+            <p:ph idx="1"/>
+          </p:nvPr>
+        </p:nvSpPr>
+        <p:spPr/>
+        <p:txBody>
+          <a:bodyPr>
+            <a:normAutofit fontScale="85000" lnSpcReduction="20000"/>
+          </a:bodyPr>
+          <a:lstStyle/>
+          <a:p>
+            <a:pPr marL="0" indent="0">
+              <a:buNone/>
+            </a:pPr>
+            <a:r>
+              <a:rPr lang="en-US" dirty="0" smtClean="0"/>
+              <a:t>A tuple in Python is just (</a:t>
+            </a:r>
+            <a:r>
+              <a:rPr lang="en-US" dirty="0" err="1" smtClean="0"/>
+              <a:t>x,y</a:t>
+            </a:r>
+            <a:r>
+              <a:rPr lang="en-US" dirty="0" smtClean="0"/>
+              <a:t>) or (</a:t>
+            </a:r>
+            <a:r>
+              <a:rPr lang="en-US" dirty="0" err="1" smtClean="0"/>
+              <a:t>x,y,z</a:t>
+            </a:r>
+            <a:r>
+              <a:rPr lang="en-US" dirty="0" smtClean="0"/>
+              <a:t>)</a:t>
+            </a:r>
+          </a:p>
+          <a:p>
+            <a:pPr marL="0" indent="0">
+              <a:buNone/>
+            </a:pPr>
+            <a:endParaRPr lang="en-US" dirty="0"/>
+          </a:p>
+          <a:p>
+            <a:pPr marL="0" indent="0">
+              <a:buNone/>
+            </a:pPr>
+            <a:r>
+              <a:rPr lang="en-US" dirty="0" smtClean="0"/>
+              <a:t>You can have tuples in tuples:</a:t>
+            </a:r>
+          </a:p>
+          <a:p>
+            <a:pPr marL="0" indent="0">
+              <a:buNone/>
+            </a:pPr>
+            <a:r>
+              <a:rPr lang="en-US" dirty="0"/>
+              <a:t>	</a:t>
+            </a:r>
+            <a:r>
+              <a:rPr lang="en-US" dirty="0" smtClean="0"/>
+              <a:t>(x, (</a:t>
+            </a:r>
+            <a:r>
+              <a:rPr lang="en-US" dirty="0" err="1" smtClean="0"/>
+              <a:t>y,w</a:t>
+            </a:r>
+            <a:r>
+              <a:rPr lang="en-US" dirty="0" smtClean="0"/>
+              <a:t>), z)</a:t>
+            </a:r>
+          </a:p>
+          <a:p>
+            <a:pPr marL="0" indent="0">
+              <a:buNone/>
+            </a:pPr>
+            <a:endParaRPr lang="en-US" dirty="0" smtClean="0"/>
+          </a:p>
+          <a:p>
+            <a:pPr marL="0" indent="0">
+              <a:buNone/>
+            </a:pPr>
+            <a:r>
+              <a:rPr lang="en-US" dirty="0" smtClean="0"/>
+              <a:t>What parameters do the following functions take and return?</a:t>
+            </a:r>
+            <a:endParaRPr lang="en-US" dirty="0"/>
+          </a:p>
+          <a:p>
+            <a:pPr marL="0" indent="0">
+              <a:buNone/>
+            </a:pPr>
+            <a:r>
+              <a:rPr lang="en-US" dirty="0" smtClean="0"/>
+              <a:t>lambda </a:t>
+            </a:r>
+            <a:r>
+              <a:rPr lang="en-US" dirty="0" err="1" smtClean="0"/>
+              <a:t>x,y</a:t>
+            </a:r>
+            <a:r>
+              <a:rPr lang="en-US" dirty="0" smtClean="0"/>
+              <a:t>: </a:t>
+            </a:r>
+            <a:r>
+              <a:rPr lang="en-US" dirty="0" err="1" smtClean="0"/>
+              <a:t>x+y</a:t>
+            </a:r>
+            <a:r>
+              <a:rPr lang="en-US" dirty="0" smtClean="0"/>
+              <a:t/>
+            </a:r>
+            <a:br>
+              <a:rPr lang="en-US" dirty="0" smtClean="0"/>
+            </a:br>
+            <a:r>
+              <a:rPr lang="en-US" dirty="0" smtClean="0"/>
+              <a:t>lambda (</a:t>
+            </a:r>
+            <a:r>
+              <a:rPr lang="en-US" dirty="0" err="1" smtClean="0"/>
+              <a:t>x,y</a:t>
+            </a:r>
+            <a:r>
+              <a:rPr lang="en-US" dirty="0" smtClean="0"/>
+              <a:t>): </a:t>
+            </a:r>
+            <a:r>
+              <a:rPr lang="en-US" dirty="0" err="1" smtClean="0"/>
+              <a:t>x+y</a:t>
+            </a:r>
+            <a:r>
+              <a:rPr lang="en-US" dirty="0" smtClean="0"/>
+              <a:t/>
+            </a:r>
+            <a:br>
+              <a:rPr lang="en-US" dirty="0" smtClean="0"/>
+            </a:br>
+            <a:r>
+              <a:rPr lang="en-US" dirty="0" smtClean="0"/>
+              <a:t>lambda (</a:t>
+            </a:r>
+            <a:r>
+              <a:rPr lang="en-US" dirty="0" err="1" smtClean="0"/>
+              <a:t>w,v</a:t>
+            </a:r>
+            <a:r>
+              <a:rPr lang="en-US" dirty="0" smtClean="0"/>
+              <a:t>),(</a:t>
+            </a:r>
+            <a:r>
+              <a:rPr lang="en-US" dirty="0" err="1" smtClean="0"/>
+              <a:t>x,y</a:t>
+            </a:r>
+            <a:r>
+              <a:rPr lang="en-US" dirty="0" smtClean="0"/>
+              <a:t>): ((</a:t>
+            </a:r>
+            <a:r>
+              <a:rPr lang="en-US" dirty="0" err="1" smtClean="0"/>
+              <a:t>w+x</a:t>
+            </a:r>
+            <a:r>
+              <a:rPr lang="en-US" dirty="0" smtClean="0"/>
+              <a:t>), (</a:t>
+            </a:r>
+            <a:r>
+              <a:rPr lang="en-US" dirty="0" err="1"/>
+              <a:t>v</a:t>
+            </a:r>
+            <a:r>
+              <a:rPr lang="en-US" dirty="0" err="1" smtClean="0"/>
+              <a:t>+y</a:t>
+            </a:r>
+            <a:r>
+              <a:rPr lang="en-US" dirty="0" smtClean="0"/>
+              <a:t>))</a:t>
+            </a:r>
+            <a:br>
+              <a:rPr lang="en-US" dirty="0" smtClean="0"/>
+            </a:br>
+            <a:r>
+              <a:rPr lang="en-US" dirty="0" smtClean="0"/>
+              <a:t>lambda (x,(</a:t>
+            </a:r>
+            <a:r>
+              <a:rPr lang="en-US" dirty="0" err="1" smtClean="0"/>
+              <a:t>y,z</a:t>
+            </a:r>
+            <a:r>
+              <a:rPr lang="en-US" dirty="0" smtClean="0"/>
+              <a:t>)): (</a:t>
+            </a:r>
+            <a:r>
+              <a:rPr lang="en-US" dirty="0" err="1" smtClean="0"/>
+              <a:t>x,y+z</a:t>
+            </a:r>
+            <a:r>
+              <a:rPr lang="en-US" smtClean="0"/>
+              <a:t>)</a:t>
+            </a:r>
+            <a:endParaRPr lang="en-US" dirty="0"/>
+          </a:p>
+        </p:txBody>
+      </p:sp>
+    </p:spTree>
+    <p:extLst>
+      <p:ext uri="{BB962C8B-B14F-4D97-AF65-F5344CB8AC3E}">
+        <p14:creationId xmlns:p14="http://schemas.microsoft.com/office/powerpoint/2010/main" val="3805805723"/>
+      </p:ext>
+    </p:extLst>
+  </p:cSld>
+  <p:clrMapOvr>
+    <a:masterClrMapping/>
+  </p:clrMapOvr>
+</p:sld>
+</file>
+
+<file path=ppt/slides/slide28.xml><?xml version="1.0" encoding="utf-8"?>
+<p:sld xmlns:a="http://schemas.openxmlformats.org/drawingml/2006/main" xmlns:r="http://schemas.openxmlformats.org/officeDocument/2006/relationships" xmlns:p="http://schemas.openxmlformats.org/presentationml/2006/main">
+  <p:cSld>
+    <p:spTree>
+      <p:nvGrpSpPr>
+        <p:cNvPr id="1" name=""/>
+        <p:cNvGrpSpPr/>
+        <p:nvPr/>
+      </p:nvGrpSpPr>
+      <p:grpSpPr>
+        <a:xfrm>
+          <a:off x="0" y="0"/>
+          <a:ext cx="0" cy="0"/>
+          <a:chOff x="0" y="0"/>
+          <a:chExt cx="0" cy="0"/>
+        </a:xfrm>
+      </p:grpSpPr>
+      <p:sp>
+        <p:nvSpPr>
+          <p:cNvPr id="2" name="Title 1"/>
+          <p:cNvSpPr>
+            <a:spLocks noGrp="1"/>
+          </p:cNvSpPr>
+          <p:nvPr>
+            <p:ph type="title"/>
+          </p:nvPr>
+        </p:nvSpPr>
+        <p:spPr/>
+        <p:txBody>
           <a:bodyPr/>
           <a:lstStyle/>
           <a:p>
@@ -7033,7 +7306,7 @@
 </p:sld>
 </file>
 
-<file path=ppt/slides/slide28.xml><?xml version="1.0" encoding="utf-8"?>
+<file path=ppt/slides/slide29.xml><?xml version="1.0" encoding="utf-8"?>
 <p:sld xmlns:a="http://schemas.openxmlformats.org/drawingml/2006/main" xmlns:r="http://schemas.openxmlformats.org/officeDocument/2006/relationships" xmlns:p="http://schemas.openxmlformats.org/presentationml/2006/main">
   <p:cSld>
     <p:spTree>
@@ -7236,7 +7509,130 @@
 </p:sld>
 </file>
 
-<file path=ppt/slides/slide29.xml><?xml version="1.0" encoding="utf-8"?>
+<file path=ppt/slides/slide3.xml><?xml version="1.0" encoding="utf-8"?>
+<p:sld xmlns:a="http://schemas.openxmlformats.org/drawingml/2006/main" xmlns:r="http://schemas.openxmlformats.org/officeDocument/2006/relationships" xmlns:p="http://schemas.openxmlformats.org/presentationml/2006/main">
+  <p:cSld>
+    <p:spTree>
+      <p:nvGrpSpPr>
+        <p:cNvPr id="1" name=""/>
+        <p:cNvGrpSpPr/>
+        <p:nvPr/>
+      </p:nvGrpSpPr>
+      <p:grpSpPr>
+        <a:xfrm>
+          <a:off x="0" y="0"/>
+          <a:ext cx="0" cy="0"/>
+          <a:chOff x="0" y="0"/>
+          <a:chExt cx="0" cy="0"/>
+        </a:xfrm>
+      </p:grpSpPr>
+      <p:sp>
+        <p:nvSpPr>
+          <p:cNvPr id="2" name="Title 1"/>
+          <p:cNvSpPr>
+            <a:spLocks noGrp="1"/>
+          </p:cNvSpPr>
+          <p:nvPr>
+            <p:ph type="title"/>
+          </p:nvPr>
+        </p:nvSpPr>
+        <p:spPr/>
+        <p:txBody>
+          <a:bodyPr/>
+          <a:lstStyle/>
+          <a:p>
+            <a:r>
+              <a:rPr lang="en-US" dirty="0" smtClean="0"/>
+              <a:t>Issues with </a:t>
+            </a:r>
+            <a:r>
+              <a:rPr lang="en-US" dirty="0" err="1" smtClean="0"/>
+              <a:t>Hadoop</a:t>
+            </a:r>
+            <a:endParaRPr lang="en-US" dirty="0"/>
+          </a:p>
+        </p:txBody>
+      </p:sp>
+      <p:sp>
+        <p:nvSpPr>
+          <p:cNvPr id="3" name="Content Placeholder 2"/>
+          <p:cNvSpPr>
+            <a:spLocks noGrp="1"/>
+          </p:cNvSpPr>
+          <p:nvPr>
+            <p:ph idx="1"/>
+          </p:nvPr>
+        </p:nvSpPr>
+        <p:spPr/>
+        <p:txBody>
+          <a:bodyPr>
+            <a:normAutofit lnSpcReduction="10000"/>
+          </a:bodyPr>
+          <a:lstStyle/>
+          <a:p>
+            <a:r>
+              <a:rPr lang="en-US" dirty="0" err="1" smtClean="0"/>
+              <a:t>Hadoop</a:t>
+            </a:r>
+            <a:r>
+              <a:rPr lang="en-US" dirty="0" smtClean="0"/>
+              <a:t> is fundamentally all about Map Reduce</a:t>
+            </a:r>
+          </a:p>
+          <a:p>
+            <a:pPr lvl="1"/>
+            <a:r>
+              <a:rPr lang="en-US" dirty="0" smtClean="0"/>
+              <a:t>Though v2 did allow for other approaches</a:t>
+            </a:r>
+          </a:p>
+          <a:p>
+            <a:r>
+              <a:rPr lang="en-US" dirty="0" smtClean="0"/>
+              <a:t>Based on cheap commodity hardware</a:t>
+            </a:r>
+            <a:endParaRPr lang="en-US" dirty="0"/>
+          </a:p>
+          <a:p>
+            <a:r>
+              <a:rPr lang="en-US" dirty="0" smtClean="0"/>
+              <a:t>But</a:t>
+            </a:r>
+            <a:r>
+              <a:rPr lang="is-IS" dirty="0" smtClean="0"/>
+              <a:t>….</a:t>
+            </a:r>
+          </a:p>
+          <a:p>
+            <a:pPr lvl="1"/>
+            <a:r>
+              <a:rPr lang="is-IS" dirty="0" smtClean="0"/>
+              <a:t>Not based on cheap commodity hardware with lots of memory!</a:t>
+            </a:r>
+          </a:p>
+        </p:txBody>
+      </p:sp>
+    </p:spTree>
+    <p:extLst>
+      <p:ext uri="{BB962C8B-B14F-4D97-AF65-F5344CB8AC3E}">
+        <p14:creationId xmlns:p14="http://schemas.microsoft.com/office/powerpoint/2010/main" val="350456589"/>
+      </p:ext>
+    </p:extLst>
+  </p:cSld>
+  <p:clrMapOvr>
+    <a:masterClrMapping/>
+  </p:clrMapOvr>
+  <p:timing>
+    <p:tnLst>
+      <p:par>
+        <p:cTn xmlns:p14="http://schemas.microsoft.com/office/powerpoint/2010/main" id="1" dur="indefinite" restart="never" nodeType="tmRoot"/>
+      </p:par>
+    </p:tnLst>
+  </p:timing>
+</p:sld>
+</file>
+
+<file path=ppt/slides/slide30.xml><?xml version="1.0" encoding="utf-8"?>
 <p:sld xmlns:a="http://schemas.openxmlformats.org/drawingml/2006/main" xmlns:r="http://schemas.openxmlformats.org/officeDocument/2006/relationships" xmlns:p="http://schemas.openxmlformats.org/presentationml/2006/main">
   <p:cSld>
     <p:spTree>
@@ -7320,360 +7716,6 @@
 </p:sld>
 </file>
 
-<file path=ppt/slides/slide3.xml><?xml version="1.0" encoding="utf-8"?>
-<p:sld xmlns:a="http://schemas.openxmlformats.org/drawingml/2006/main" xmlns:r="http://schemas.openxmlformats.org/officeDocument/2006/relationships" xmlns:p="http://schemas.openxmlformats.org/presentationml/2006/main">
-  <p:cSld>
-    <p:spTree>
-      <p:nvGrpSpPr>
-        <p:cNvPr id="1" name=""/>
-        <p:cNvGrpSpPr/>
-        <p:nvPr/>
-      </p:nvGrpSpPr>
-      <p:grpSpPr>
-        <a:xfrm>
-          <a:off x="0" y="0"/>
-          <a:ext cx="0" cy="0"/>
-          <a:chOff x="0" y="0"/>
-          <a:chExt cx="0" cy="0"/>
-        </a:xfrm>
-      </p:grpSpPr>
-      <p:sp>
-        <p:nvSpPr>
-          <p:cNvPr id="2" name="Title 1"/>
-          <p:cNvSpPr>
-            <a:spLocks noGrp="1"/>
-          </p:cNvSpPr>
-          <p:nvPr>
-            <p:ph type="title"/>
-          </p:nvPr>
-        </p:nvSpPr>
-        <p:spPr/>
-        <p:txBody>
-          <a:bodyPr/>
-          <a:lstStyle/>
-          <a:p>
-            <a:r>
-              <a:rPr lang="en-US" dirty="0" smtClean="0"/>
-              <a:t>Issues with </a:t>
-            </a:r>
-            <a:r>
-              <a:rPr lang="en-US" dirty="0" err="1" smtClean="0"/>
-              <a:t>Hadoop</a:t>
-            </a:r>
-            <a:endParaRPr lang="en-US" dirty="0"/>
-          </a:p>
-        </p:txBody>
-      </p:sp>
-      <p:sp>
-        <p:nvSpPr>
-          <p:cNvPr id="3" name="Content Placeholder 2"/>
-          <p:cNvSpPr>
-            <a:spLocks noGrp="1"/>
-          </p:cNvSpPr>
-          <p:nvPr>
-            <p:ph idx="1"/>
-          </p:nvPr>
-        </p:nvSpPr>
-        <p:spPr/>
-        <p:txBody>
-          <a:bodyPr>
-            <a:normAutofit lnSpcReduction="10000"/>
-          </a:bodyPr>
-          <a:lstStyle/>
-          <a:p>
-            <a:r>
-              <a:rPr lang="en-US" dirty="0" err="1" smtClean="0"/>
-              <a:t>Hadoop</a:t>
-            </a:r>
-            <a:r>
-              <a:rPr lang="en-US" dirty="0" smtClean="0"/>
-              <a:t> is fundamentally all about Map Reduce</a:t>
-            </a:r>
-          </a:p>
-          <a:p>
-            <a:pPr lvl="1"/>
-            <a:r>
-              <a:rPr lang="en-US" dirty="0" smtClean="0"/>
-              <a:t>Though v2 did allow for other approaches</a:t>
-            </a:r>
-          </a:p>
-          <a:p>
-            <a:r>
-              <a:rPr lang="en-US" dirty="0" smtClean="0"/>
-              <a:t>Based on cheap commodity hardware</a:t>
-            </a:r>
-            <a:endParaRPr lang="en-US" dirty="0"/>
-          </a:p>
-          <a:p>
-            <a:r>
-              <a:rPr lang="en-US" dirty="0" smtClean="0"/>
-              <a:t>But</a:t>
-            </a:r>
-            <a:r>
-              <a:rPr lang="is-IS" dirty="0" smtClean="0"/>
-              <a:t>….</a:t>
-            </a:r>
-          </a:p>
-          <a:p>
-            <a:pPr lvl="1"/>
-            <a:r>
-              <a:rPr lang="is-IS" dirty="0" smtClean="0"/>
-              <a:t>Not based on cheap commodity hardware with lots of memory!</a:t>
-            </a:r>
-          </a:p>
-        </p:txBody>
-      </p:sp>
-    </p:spTree>
-    <p:extLst>
-      <p:ext uri="{BB962C8B-B14F-4D97-AF65-F5344CB8AC3E}">
-        <p14:creationId xmlns:p14="http://schemas.microsoft.com/office/powerpoint/2010/main" val="350456589"/>
-      </p:ext>
-    </p:extLst>
-  </p:cSld>
-  <p:clrMapOvr>
-    <a:masterClrMapping/>
-  </p:clrMapOvr>
-  <p:timing>
-    <p:tnLst>
-      <p:par>
-        <p:cTn xmlns:p14="http://schemas.microsoft.com/office/powerpoint/2010/main" id="1" dur="indefinite" restart="never" nodeType="tmRoot"/>
-      </p:par>
-    </p:tnLst>
-  </p:timing>
-</p:sld>
-</file>
-
-<file path=ppt/slides/slide30.xml><?xml version="1.0" encoding="utf-8"?>
-<p:sld xmlns:a="http://schemas.openxmlformats.org/drawingml/2006/main" xmlns:r="http://schemas.openxmlformats.org/officeDocument/2006/relationships" xmlns:p="http://schemas.openxmlformats.org/presentationml/2006/main">
-  <p:cSld>
-    <p:spTree>
-      <p:nvGrpSpPr>
-        <p:cNvPr id="1" name=""/>
-        <p:cNvGrpSpPr/>
-        <p:nvPr/>
-      </p:nvGrpSpPr>
-      <p:grpSpPr>
-        <a:xfrm>
-          <a:off x="0" y="0"/>
-          <a:ext cx="0" cy="0"/>
-          <a:chOff x="0" y="0"/>
-          <a:chExt cx="0" cy="0"/>
-        </a:xfrm>
-      </p:grpSpPr>
-      <p:sp>
-        <p:nvSpPr>
-          <p:cNvPr id="2" name="Title 1"/>
-          <p:cNvSpPr>
-            <a:spLocks noGrp="1"/>
-          </p:cNvSpPr>
-          <p:nvPr>
-            <p:ph type="title"/>
-          </p:nvPr>
-        </p:nvSpPr>
-        <p:spPr/>
-        <p:txBody>
-          <a:bodyPr>
-            <a:normAutofit fontScale="90000"/>
-          </a:bodyPr>
-          <a:lstStyle/>
-          <a:p>
-            <a:r>
-              <a:rPr lang="en-US" dirty="0" smtClean="0"/>
-              <a:t>How to count across a cluster?</a:t>
-            </a:r>
-            <a:endParaRPr lang="en-US" dirty="0"/>
-          </a:p>
-        </p:txBody>
-      </p:sp>
-      <p:sp>
-        <p:nvSpPr>
-          <p:cNvPr id="3" name="Content Placeholder 2"/>
-          <p:cNvSpPr>
-            <a:spLocks noGrp="1"/>
-          </p:cNvSpPr>
-          <p:nvPr>
-            <p:ph idx="1"/>
-          </p:nvPr>
-        </p:nvSpPr>
-        <p:spPr/>
-        <p:txBody>
-          <a:bodyPr>
-            <a:normAutofit/>
-          </a:bodyPr>
-          <a:lstStyle/>
-          <a:p>
-            <a:r>
-              <a:rPr lang="en-US" sz="2800" dirty="0" smtClean="0"/>
-              <a:t>Accumulators</a:t>
-            </a:r>
-          </a:p>
-          <a:p>
-            <a:endParaRPr lang="en-US" sz="2800" dirty="0" smtClean="0"/>
-          </a:p>
-          <a:p>
-            <a:pPr marL="0" indent="0">
-              <a:buNone/>
-            </a:pPr>
-            <a:r>
-              <a:rPr lang="en-US" sz="2800" dirty="0" smtClean="0"/>
-              <a:t>	</a:t>
-            </a:r>
-            <a:r>
-              <a:rPr lang="en-US" sz="2800" dirty="0" err="1" smtClean="0">
-                <a:latin typeface="Lucida Console"/>
-                <a:cs typeface="Lucida Console"/>
-              </a:rPr>
-              <a:t>acc</a:t>
-            </a:r>
-            <a:r>
-              <a:rPr lang="en-US" sz="2800" dirty="0" smtClean="0">
-                <a:latin typeface="Lucida Console"/>
-                <a:cs typeface="Lucida Console"/>
-              </a:rPr>
-              <a:t> = </a:t>
-            </a:r>
-            <a:r>
-              <a:rPr lang="en-US" sz="2800" dirty="0" err="1" smtClean="0">
-                <a:latin typeface="Lucida Console"/>
-                <a:cs typeface="Lucida Console"/>
-              </a:rPr>
-              <a:t>sc.accumulator</a:t>
-            </a:r>
-            <a:r>
-              <a:rPr lang="en-US" sz="2800" dirty="0" smtClean="0">
-                <a:latin typeface="Lucida Console"/>
-                <a:cs typeface="Lucida Console"/>
-              </a:rPr>
-              <a:t>()</a:t>
-            </a:r>
-          </a:p>
-          <a:p>
-            <a:pPr marL="0" indent="0">
-              <a:buNone/>
-            </a:pPr>
-            <a:r>
-              <a:rPr lang="en-US" sz="2800" dirty="0" smtClean="0">
-                <a:latin typeface="Lucida Console"/>
-                <a:cs typeface="Lucida Console"/>
-              </a:rPr>
-              <a:t>	</a:t>
-            </a:r>
-            <a:r>
-              <a:rPr lang="en-US" sz="2800" dirty="0" err="1" smtClean="0">
-                <a:latin typeface="Lucida Console"/>
-                <a:cs typeface="Lucida Console"/>
-              </a:rPr>
-              <a:t>rdd</a:t>
-            </a:r>
-            <a:r>
-              <a:rPr lang="en-US" sz="2800" dirty="0" smtClean="0">
-                <a:latin typeface="Lucida Console"/>
-                <a:cs typeface="Lucida Console"/>
-              </a:rPr>
-              <a:t> </a:t>
-            </a:r>
-            <a:r>
-              <a:rPr lang="en-US" sz="2800" dirty="0">
-                <a:latin typeface="Lucida Console"/>
-                <a:cs typeface="Lucida Console"/>
-              </a:rPr>
-              <a:t>= </a:t>
-            </a:r>
-            <a:r>
-              <a:rPr lang="en-US" sz="2800" dirty="0" err="1">
-                <a:latin typeface="Lucida Console"/>
-                <a:cs typeface="Lucida Console"/>
-              </a:rPr>
-              <a:t>sc.parallelize</a:t>
-            </a:r>
-            <a:r>
-              <a:rPr lang="en-US" sz="2800" dirty="0">
-                <a:latin typeface="Lucida Console"/>
-                <a:cs typeface="Lucida Console"/>
-              </a:rPr>
-              <a:t>(data</a:t>
-            </a:r>
-            <a:r>
-              <a:rPr lang="en-US" sz="2800" dirty="0" smtClean="0">
-                <a:latin typeface="Lucida Console"/>
-                <a:cs typeface="Lucida Console"/>
-              </a:rPr>
-              <a:t>)</a:t>
-            </a:r>
-            <a:br>
-              <a:rPr lang="en-US" sz="2800" dirty="0" smtClean="0">
-                <a:latin typeface="Lucida Console"/>
-                <a:cs typeface="Lucida Console"/>
-              </a:rPr>
-            </a:br>
-            <a:r>
-              <a:rPr lang="en-US" sz="2800" dirty="0" smtClean="0">
-                <a:latin typeface="Lucida Console"/>
-                <a:cs typeface="Lucida Console"/>
-              </a:rPr>
-              <a:t>	</a:t>
-            </a:r>
-            <a:r>
-              <a:rPr lang="en-US" sz="2800" dirty="0" err="1" smtClean="0">
-                <a:latin typeface="Lucida Console"/>
-                <a:cs typeface="Lucida Console"/>
-              </a:rPr>
-              <a:t>rdd.foreach</a:t>
-            </a:r>
-            <a:r>
-              <a:rPr lang="en-US" sz="2800" dirty="0" smtClean="0">
-                <a:latin typeface="Lucida Console"/>
-                <a:cs typeface="Lucida Console"/>
-              </a:rPr>
-              <a:t>(lambda x: </a:t>
-            </a:r>
-            <a:r>
-              <a:rPr lang="en-US" sz="2800" dirty="0" err="1" smtClean="0">
-                <a:latin typeface="Lucida Console"/>
-                <a:cs typeface="Lucida Console"/>
-              </a:rPr>
-              <a:t>acc.add</a:t>
-            </a:r>
-            <a:r>
-              <a:rPr lang="en-US" sz="2800" dirty="0" smtClean="0">
-                <a:latin typeface="Lucida Console"/>
-                <a:cs typeface="Lucida Console"/>
-              </a:rPr>
-              <a:t>(x))</a:t>
-            </a:r>
-            <a:endParaRPr lang="en-US" sz="2800" dirty="0">
-              <a:latin typeface="Lucida Console"/>
-              <a:cs typeface="Lucida Console"/>
-            </a:endParaRPr>
-          </a:p>
-          <a:p>
-            <a:pPr marL="0" indent="0">
-              <a:buNone/>
-            </a:pPr>
-            <a:endParaRPr lang="en-US" sz="2800" dirty="0"/>
-          </a:p>
-        </p:txBody>
-      </p:sp>
-    </p:spTree>
-    <p:extLst>
-      <p:ext uri="{BB962C8B-B14F-4D97-AF65-F5344CB8AC3E}">
-        <p14:creationId xmlns:p14="http://schemas.microsoft.com/office/powerpoint/2010/main" val="1340352141"/>
-      </p:ext>
-    </p:extLst>
-  </p:cSld>
-  <p:clrMapOvr>
-    <a:masterClrMapping/>
-  </p:clrMapOvr>
-  <p:timing>
-    <p:tnLst>
-      <p:par>
-        <p:cTn xmlns:p14="http://schemas.microsoft.com/office/powerpoint/2010/main" id="1" dur="indefinite" restart="never" nodeType="tmRoot"/>
-      </p:par>
-    </p:tnLst>
-  </p:timing>
-</p:sld>
-</file>
-
 <file path=ppt/slides/slide31.xml><?xml version="1.0" encoding="utf-8"?>
 <p:sld xmlns:a="http://schemas.openxmlformats.org/drawingml/2006/main" xmlns:r="http://schemas.openxmlformats.org/officeDocument/2006/relationships" xmlns:p="http://schemas.openxmlformats.org/presentationml/2006/main">
   <p:cSld>
@@ -7703,12 +7745,14 @@
         </p:nvSpPr>
         <p:spPr/>
         <p:txBody>
-          <a:bodyPr/>
+          <a:bodyPr>
+            <a:normAutofit fontScale="90000"/>
+          </a:bodyPr>
           <a:lstStyle/>
           <a:p>
             <a:r>
               <a:rPr lang="en-US" dirty="0" smtClean="0"/>
-              <a:t>What also doesn’t work</a:t>
+              <a:t>How to count across a cluster?</a:t>
             </a:r>
             <a:endParaRPr lang="en-US" dirty="0"/>
           </a:p>
@@ -7726,50 +7770,167 @@
         </p:nvSpPr>
         <p:spPr/>
         <p:txBody>
-          <a:bodyPr/>
+          <a:bodyPr>
+            <a:normAutofit/>
+          </a:bodyPr>
           <a:lstStyle/>
           <a:p>
             <a:r>
-              <a:rPr lang="en-US" dirty="0" err="1" smtClean="0"/>
-              <a:t>rdd.forEach</a:t>
-            </a:r>
-            <a:r>
-              <a:rPr lang="en-US" dirty="0"/>
-              <a:t>(</a:t>
-            </a:r>
-            <a:r>
-              <a:rPr lang="en-US" dirty="0" err="1"/>
-              <a:t>println</a:t>
-            </a:r>
-            <a:r>
-              <a:rPr lang="en-US" dirty="0" smtClean="0"/>
+              <a:rPr lang="en-US" sz="2800" dirty="0" smtClean="0"/>
+              <a:t>Accumulators</a:t>
+            </a:r>
+          </a:p>
+          <a:p>
+            <a:endParaRPr lang="en-US" sz="2800" dirty="0" smtClean="0"/>
+          </a:p>
+          <a:p>
+            <a:pPr marL="0" indent="0">
+              <a:buNone/>
+            </a:pPr>
+            <a:r>
+              <a:rPr lang="en-US" sz="2800" dirty="0" smtClean="0"/>
+              <a:t>	</a:t>
+            </a:r>
+            <a:r>
+              <a:rPr lang="en-US" sz="2800" dirty="0" err="1" smtClean="0">
+                <a:latin typeface="Lucida Console"/>
+                <a:cs typeface="Lucida Console"/>
+              </a:rPr>
+              <a:t>acc</a:t>
+            </a:r>
+            <a:r>
+              <a:rPr lang="en-US" sz="2800" dirty="0" smtClean="0">
+                <a:latin typeface="Lucida Console"/>
+                <a:cs typeface="Lucida Console"/>
+              </a:rPr>
+              <a:t> = </a:t>
+            </a:r>
+            <a:r>
+              <a:rPr lang="en-US" sz="2800" dirty="0" err="1" smtClean="0">
+                <a:latin typeface="Lucida Console"/>
+                <a:cs typeface="Lucida Console"/>
+              </a:rPr>
+              <a:t>sc.accumulator</a:t>
+            </a:r>
+            <a:r>
+              <a:rPr lang="en-US" sz="2800" dirty="0" smtClean="0">
+                <a:latin typeface="Lucida Console"/>
+                <a:cs typeface="Lucida Console"/>
+              </a:rPr>
+              <a:t>()</a:t>
+            </a:r>
+          </a:p>
+          <a:p>
+            <a:pPr marL="0" indent="0">
+              <a:buNone/>
+            </a:pPr>
+            <a:r>
+              <a:rPr lang="en-US" sz="2800" dirty="0" smtClean="0">
+                <a:latin typeface="Lucida Console"/>
+                <a:cs typeface="Lucida Console"/>
+              </a:rPr>
+              <a:t>	</a:t>
+            </a:r>
+            <a:r>
+              <a:rPr lang="en-US" sz="2800" dirty="0" err="1" smtClean="0">
+                <a:latin typeface="Lucida Console"/>
+                <a:cs typeface="Lucida Console"/>
+              </a:rPr>
+              <a:t>rdd</a:t>
+            </a:r>
+            <a:r>
+              <a:rPr lang="en-US" sz="2800" dirty="0" smtClean="0">
+                <a:latin typeface="Lucida Console"/>
+                <a:cs typeface="Lucida Console"/>
+              </a:rPr>
+              <a:t> </a:t>
+            </a:r>
+            <a:r>
+              <a:rPr lang="en-US" sz="2800" dirty="0">
+                <a:latin typeface="Lucida Console"/>
+                <a:cs typeface="Lucida Console"/>
+              </a:rPr>
+              <a:t>= </a:t>
+            </a:r>
+            <a:r>
+              <a:rPr lang="en-US" sz="2800" dirty="0" err="1">
+                <a:latin typeface="Lucida Console"/>
+                <a:cs typeface="Lucida Console"/>
+              </a:rPr>
+              <a:t>sc.parallelize</a:t>
+            </a:r>
+            <a:r>
+              <a:rPr lang="en-US" sz="2800" dirty="0">
+                <a:latin typeface="Lucida Console"/>
+                <a:cs typeface="Lucida Console"/>
+              </a:rPr>
+              <a:t>(data</a:t>
+            </a:r>
+            <a:r>
+              <a:rPr lang="en-US" sz="2800" dirty="0" smtClean="0">
+                <a:latin typeface="Lucida Console"/>
+                <a:cs typeface="Lucida Console"/>
+              </a:rPr>
               <a:t>)</a:t>
             </a:r>
-          </a:p>
-          <a:p>
-            <a:endParaRPr lang="en-US" dirty="0"/>
-          </a:p>
-          <a:p>
-            <a:r>
-              <a:rPr lang="en-US" dirty="0" smtClean="0"/>
-              <a:t>Of course this </a:t>
-            </a:r>
-            <a:r>
-              <a:rPr lang="en-US" i="1" dirty="0" smtClean="0"/>
-              <a:t>will</a:t>
-            </a:r>
-            <a:r>
-              <a:rPr lang="en-US" dirty="0" smtClean="0"/>
-              <a:t> work when you test in local mode</a:t>
-            </a:r>
-            <a:endParaRPr lang="en-US" dirty="0"/>
+            <a:br>
+              <a:rPr lang="en-US" sz="2800" dirty="0" smtClean="0">
+                <a:latin typeface="Lucida Console"/>
+                <a:cs typeface="Lucida Console"/>
+              </a:rPr>
+            </a:br>
+            <a:r>
+              <a:rPr lang="en-US" sz="2800" dirty="0" smtClean="0">
+                <a:latin typeface="Lucida Console"/>
+                <a:cs typeface="Lucida Console"/>
+              </a:rPr>
+              <a:t>	</a:t>
+            </a:r>
+            <a:r>
+              <a:rPr lang="en-US" sz="2800" dirty="0" err="1" smtClean="0">
+                <a:latin typeface="Lucida Console"/>
+                <a:cs typeface="Lucida Console"/>
+              </a:rPr>
+              <a:t>rdd.foreach</a:t>
+            </a:r>
+            <a:r>
+              <a:rPr lang="en-US" sz="2800" dirty="0" smtClean="0">
+                <a:latin typeface="Lucida Console"/>
+                <a:cs typeface="Lucida Console"/>
+              </a:rPr>
+              <a:t>(lambda x: </a:t>
+            </a:r>
+            <a:r>
+              <a:rPr lang="en-US" sz="2800" dirty="0" err="1" smtClean="0">
+                <a:latin typeface="Lucida Console"/>
+                <a:cs typeface="Lucida Console"/>
+              </a:rPr>
+              <a:t>acc.add</a:t>
+            </a:r>
+            <a:r>
+              <a:rPr lang="en-US" sz="2800" dirty="0" smtClean="0">
+                <a:latin typeface="Lucida Console"/>
+                <a:cs typeface="Lucida Console"/>
+              </a:rPr>
+              <a:t>(x))</a:t>
+            </a:r>
+            <a:endParaRPr lang="en-US" sz="2800" dirty="0">
+              <a:latin typeface="Lucida Console"/>
+              <a:cs typeface="Lucida Console"/>
+            </a:endParaRPr>
+          </a:p>
+          <a:p>
+            <a:pPr marL="0" indent="0">
+              <a:buNone/>
+            </a:pPr>
+            <a:endParaRPr lang="en-US" sz="2800" dirty="0"/>
           </a:p>
         </p:txBody>
       </p:sp>
     </p:spTree>
     <p:extLst>
       <p:ext uri="{BB962C8B-B14F-4D97-AF65-F5344CB8AC3E}">
-        <p14:creationId xmlns:p14="http://schemas.microsoft.com/office/powerpoint/2010/main" val="2238802243"/>
+        <p14:creationId xmlns:p14="http://schemas.microsoft.com/office/powerpoint/2010/main" val="1340352141"/>
       </p:ext>
     </p:extLst>
   </p:cSld>
@@ -7819,85 +7980,60 @@
           <a:lstStyle/>
           <a:p>
             <a:r>
+              <a:rPr lang="en-US" dirty="0" smtClean="0"/>
+              <a:t>What also doesn’t work</a:t>
+            </a:r>
+            <a:endParaRPr lang="en-US" dirty="0"/>
+          </a:p>
+        </p:txBody>
+      </p:sp>
+      <p:sp>
+        <p:nvSpPr>
+          <p:cNvPr id="3" name="Content Placeholder 2"/>
+          <p:cNvSpPr>
+            <a:spLocks noGrp="1"/>
+          </p:cNvSpPr>
+          <p:nvPr>
+            <p:ph idx="1"/>
+          </p:nvPr>
+        </p:nvSpPr>
+        <p:spPr/>
+        <p:txBody>
+          <a:bodyPr/>
+          <a:lstStyle/>
+          <a:p>
+            <a:r>
               <a:rPr lang="en-US" dirty="0" err="1" smtClean="0"/>
-              <a:t>SparkSQL</a:t>
-            </a:r>
+              <a:t>rdd.forEach</a:t>
+            </a:r>
+            <a:r>
+              <a:rPr lang="en-US" dirty="0"/>
+              <a:t>(</a:t>
+            </a:r>
+            <a:r>
+              <a:rPr lang="en-US" dirty="0" err="1"/>
+              <a:t>println</a:t>
+            </a:r>
+            <a:r>
+              <a:rPr lang="en-US" dirty="0" smtClean="0"/>
+              <a:t>)</a:t>
+            </a:r>
+          </a:p>
+          <a:p>
             <a:endParaRPr lang="en-US" dirty="0"/>
           </a:p>
-        </p:txBody>
-      </p:sp>
-      <p:sp>
-        <p:nvSpPr>
-          <p:cNvPr id="3" name="Content Placeholder 2"/>
-          <p:cNvSpPr>
-            <a:spLocks noGrp="1"/>
-          </p:cNvSpPr>
-          <p:nvPr>
-            <p:ph idx="1"/>
-          </p:nvPr>
-        </p:nvSpPr>
-        <p:spPr/>
-        <p:txBody>
-          <a:bodyPr>
-            <a:normAutofit fontScale="92500" lnSpcReduction="10000"/>
-          </a:bodyPr>
-          <a:lstStyle/>
-          <a:p>
-            <a:r>
-              <a:rPr lang="en-US" dirty="0" smtClean="0"/>
-              <a:t>Integrates into existing Spark programs</a:t>
-            </a:r>
-          </a:p>
-          <a:p>
-            <a:pPr lvl="1"/>
-            <a:r>
-              <a:rPr lang="en-US" dirty="0" smtClean="0"/>
-              <a:t>Mixes SQL with Python, </a:t>
-            </a:r>
-            <a:r>
-              <a:rPr lang="en-US" dirty="0" err="1" smtClean="0"/>
-              <a:t>Scala</a:t>
-            </a:r>
-            <a:r>
-              <a:rPr lang="en-US" dirty="0" smtClean="0"/>
-              <a:t> or Java</a:t>
-            </a:r>
-          </a:p>
-          <a:p>
-            <a:r>
-              <a:rPr lang="en-US" dirty="0" smtClean="0"/>
-              <a:t>Integrates data from CSV, Avro, Parquet, JDBC, ODBC, JSON, </a:t>
-            </a:r>
-            <a:r>
-              <a:rPr lang="en-US" dirty="0" err="1" smtClean="0"/>
-              <a:t>etc</a:t>
-            </a:r>
-            <a:endParaRPr lang="en-US" dirty="0" smtClean="0"/>
-          </a:p>
-          <a:p>
-            <a:pPr lvl="1"/>
-            <a:r>
-              <a:rPr lang="en-US" dirty="0" smtClean="0"/>
-              <a:t>Including joins across them</a:t>
-            </a:r>
-          </a:p>
-          <a:p>
-            <a:r>
-              <a:rPr lang="en-US" dirty="0" smtClean="0"/>
-              <a:t>Fully supports Apache Hive</a:t>
-            </a:r>
-          </a:p>
-          <a:p>
-            <a:pPr lvl="1"/>
+          <a:p>
+            <a:r>
+              <a:rPr lang="en-US" dirty="0" smtClean="0"/>
+              <a:t>Of course this </a:t>
+            </a:r>
             <a:r>
               <a:rPr lang="en-US" i="1" dirty="0" smtClean="0"/>
-              <a:t>If you build it with Hive support</a:t>
-            </a:r>
-          </a:p>
-          <a:p>
-            <a:r>
-              <a:rPr lang="en-US" dirty="0" smtClean="0"/>
-              <a:t>Fits into the resilient scalable model of Spark</a:t>
+              <a:t>will</a:t>
+            </a:r>
+            <a:r>
+              <a:rPr lang="en-US" dirty="0" smtClean="0"/>
+              <a:t> work when you test in local mode</a:t>
             </a:r>
             <a:endParaRPr lang="en-US" dirty="0"/>
           </a:p>
@@ -7906,7 +8042,7 @@
     </p:spTree>
     <p:extLst>
       <p:ext uri="{BB962C8B-B14F-4D97-AF65-F5344CB8AC3E}">
-        <p14:creationId xmlns:p14="http://schemas.microsoft.com/office/powerpoint/2010/main" val="1912318869"/>
+        <p14:creationId xmlns:p14="http://schemas.microsoft.com/office/powerpoint/2010/main" val="2238802243"/>
       </p:ext>
     </p:extLst>
   </p:cSld>
@@ -7956,6 +8092,143 @@
           <a:lstStyle/>
           <a:p>
             <a:r>
+              <a:rPr lang="en-US" dirty="0" err="1" smtClean="0"/>
+              <a:t>SparkSQL</a:t>
+            </a:r>
+            <a:endParaRPr lang="en-US" dirty="0"/>
+          </a:p>
+        </p:txBody>
+      </p:sp>
+      <p:sp>
+        <p:nvSpPr>
+          <p:cNvPr id="3" name="Content Placeholder 2"/>
+          <p:cNvSpPr>
+            <a:spLocks noGrp="1"/>
+          </p:cNvSpPr>
+          <p:nvPr>
+            <p:ph idx="1"/>
+          </p:nvPr>
+        </p:nvSpPr>
+        <p:spPr/>
+        <p:txBody>
+          <a:bodyPr>
+            <a:normAutofit fontScale="92500" lnSpcReduction="10000"/>
+          </a:bodyPr>
+          <a:lstStyle/>
+          <a:p>
+            <a:r>
+              <a:rPr lang="en-US" dirty="0" smtClean="0"/>
+              <a:t>Integrates into existing Spark programs</a:t>
+            </a:r>
+          </a:p>
+          <a:p>
+            <a:pPr lvl="1"/>
+            <a:r>
+              <a:rPr lang="en-US" dirty="0" smtClean="0"/>
+              <a:t>Mixes SQL with Python, </a:t>
+            </a:r>
+            <a:r>
+              <a:rPr lang="en-US" dirty="0" err="1" smtClean="0"/>
+              <a:t>Scala</a:t>
+            </a:r>
+            <a:r>
+              <a:rPr lang="en-US" dirty="0" smtClean="0"/>
+              <a:t> or Java</a:t>
+            </a:r>
+          </a:p>
+          <a:p>
+            <a:r>
+              <a:rPr lang="en-US" dirty="0" smtClean="0"/>
+              <a:t>Integrates data from CSV, Avro, Parquet, JDBC, ODBC, JSON, </a:t>
+            </a:r>
+            <a:r>
+              <a:rPr lang="en-US" dirty="0" err="1" smtClean="0"/>
+              <a:t>etc</a:t>
+            </a:r>
+            <a:endParaRPr lang="en-US" dirty="0" smtClean="0"/>
+          </a:p>
+          <a:p>
+            <a:pPr lvl="1"/>
+            <a:r>
+              <a:rPr lang="en-US" dirty="0" smtClean="0"/>
+              <a:t>Including joins across them</a:t>
+            </a:r>
+          </a:p>
+          <a:p>
+            <a:r>
+              <a:rPr lang="en-US" dirty="0" smtClean="0"/>
+              <a:t>Fully supports Apache Hive</a:t>
+            </a:r>
+          </a:p>
+          <a:p>
+            <a:pPr lvl="1"/>
+            <a:r>
+              <a:rPr lang="en-US" i="1" dirty="0" smtClean="0"/>
+              <a:t>If you build it with Hive support</a:t>
+            </a:r>
+          </a:p>
+          <a:p>
+            <a:r>
+              <a:rPr lang="en-US" dirty="0" smtClean="0"/>
+              <a:t>Fits into the resilient scalable model of Spark</a:t>
+            </a:r>
+            <a:endParaRPr lang="en-US" dirty="0"/>
+          </a:p>
+        </p:txBody>
+      </p:sp>
+    </p:spTree>
+    <p:extLst>
+      <p:ext uri="{BB962C8B-B14F-4D97-AF65-F5344CB8AC3E}">
+        <p14:creationId xmlns:p14="http://schemas.microsoft.com/office/powerpoint/2010/main" val="1912318869"/>
+      </p:ext>
+    </p:extLst>
+  </p:cSld>
+  <p:clrMapOvr>
+    <a:masterClrMapping/>
+  </p:clrMapOvr>
+  <p:timing>
+    <p:tnLst>
+      <p:par>
+        <p:cTn xmlns:p14="http://schemas.microsoft.com/office/powerpoint/2010/main" id="1" dur="indefinite" restart="never" nodeType="tmRoot"/>
+      </p:par>
+    </p:tnLst>
+  </p:timing>
+</p:sld>
+</file>
+
+<file path=ppt/slides/slide34.xml><?xml version="1.0" encoding="utf-8"?>
+<p:sld xmlns:a="http://schemas.openxmlformats.org/drawingml/2006/main" xmlns:r="http://schemas.openxmlformats.org/officeDocument/2006/relationships" xmlns:p="http://schemas.openxmlformats.org/presentationml/2006/main">
+  <p:cSld>
+    <p:spTree>
+      <p:nvGrpSpPr>
+        <p:cNvPr id="1" name=""/>
+        <p:cNvGrpSpPr/>
+        <p:nvPr/>
+      </p:nvGrpSpPr>
+      <p:grpSpPr>
+        <a:xfrm>
+          <a:off x="0" y="0"/>
+          <a:ext cx="0" cy="0"/>
+          <a:chOff x="0" y="0"/>
+          <a:chExt cx="0" cy="0"/>
+        </a:xfrm>
+      </p:grpSpPr>
+      <p:sp>
+        <p:nvSpPr>
+          <p:cNvPr id="2" name="Title 1"/>
+          <p:cNvSpPr>
+            <a:spLocks noGrp="1"/>
+          </p:cNvSpPr>
+          <p:nvPr>
+            <p:ph type="title"/>
+          </p:nvPr>
+        </p:nvSpPr>
+        <p:spPr/>
+        <p:txBody>
+          <a:bodyPr/>
+          <a:lstStyle/>
+          <a:p>
+            <a:r>
               <a:rPr lang="en-US" dirty="0" smtClean="0"/>
               <a:t>Spark SQL example</a:t>
             </a:r>
@@ -8449,7 +8722,7 @@
 </p:sld>
 </file>
 
-<file path=ppt/slides/slide34.xml><?xml version="1.0" encoding="utf-8"?>
+<file path=ppt/slides/slide35.xml><?xml version="1.0" encoding="utf-8"?>
 <p:sld xmlns:a="http://schemas.openxmlformats.org/drawingml/2006/main" xmlns:r="http://schemas.openxmlformats.org/officeDocument/2006/relationships" xmlns:p="http://schemas.openxmlformats.org/presentationml/2006/main">
   <p:cSld>
     <p:spTree>
@@ -8612,227 +8885,6 @@
 </p:sld>
 </file>
 
-<file path=ppt/slides/slide35.xml><?xml version="1.0" encoding="utf-8"?>
-<p:sld xmlns:a="http://schemas.openxmlformats.org/drawingml/2006/main" xmlns:r="http://schemas.openxmlformats.org/officeDocument/2006/relationships" xmlns:p="http://schemas.openxmlformats.org/presentationml/2006/main">
-  <p:cSld>
-    <p:spTree>
-      <p:nvGrpSpPr>
-        <p:cNvPr id="1" name=""/>
-        <p:cNvGrpSpPr/>
-        <p:nvPr/>
-      </p:nvGrpSpPr>
-      <p:grpSpPr>
-        <a:xfrm>
-          <a:off x="0" y="0"/>
-          <a:ext cx="0" cy="0"/>
-          <a:chOff x="0" y="0"/>
-          <a:chExt cx="0" cy="0"/>
-        </a:xfrm>
-      </p:grpSpPr>
-      <p:sp>
-        <p:nvSpPr>
-          <p:cNvPr id="2" name="Title 1"/>
-          <p:cNvSpPr>
-            <a:spLocks noGrp="1"/>
-          </p:cNvSpPr>
-          <p:nvPr>
-            <p:ph type="title"/>
-          </p:nvPr>
-        </p:nvSpPr>
-        <p:spPr/>
-        <p:txBody>
-          <a:bodyPr/>
-          <a:lstStyle/>
-          <a:p>
-            <a:r>
-              <a:rPr lang="en-US" dirty="0" smtClean="0"/>
-              <a:t>More SQL</a:t>
-            </a:r>
-            <a:endParaRPr lang="en-US" dirty="0"/>
-          </a:p>
-        </p:txBody>
-      </p:sp>
-      <p:sp>
-        <p:nvSpPr>
-          <p:cNvPr id="3" name="Content Placeholder 2"/>
-          <p:cNvSpPr>
-            <a:spLocks noGrp="1"/>
-          </p:cNvSpPr>
-          <p:nvPr>
-            <p:ph idx="1"/>
-          </p:nvPr>
-        </p:nvSpPr>
-        <p:spPr/>
-        <p:txBody>
-          <a:bodyPr/>
-          <a:lstStyle/>
-          <a:p>
-            <a:pPr marL="0" indent="0">
-              <a:buNone/>
-            </a:pPr>
-            <a:r>
-              <a:rPr lang="en-US" dirty="0" err="1" smtClean="0"/>
-              <a:t>df</a:t>
-            </a:r>
-            <a:r>
-              <a:rPr lang="en-US" dirty="0" smtClean="0"/>
-              <a:t>.</a:t>
-            </a:r>
-            <a:br>
-              <a:rPr lang="en-US" dirty="0" smtClean="0"/>
-            </a:br>
-            <a:r>
-              <a:rPr lang="en-US" dirty="0" smtClean="0"/>
-              <a:t>  select('</a:t>
-            </a:r>
-            <a:r>
-              <a:rPr lang="en-US" dirty="0" err="1" smtClean="0"/>
-              <a:t>postcode’,’id</a:t>
-            </a:r>
-            <a:r>
-              <a:rPr lang="en-US" dirty="0" smtClean="0"/>
-              <a:t>').</a:t>
-            </a:r>
-            <a:br>
-              <a:rPr lang="en-US" dirty="0" smtClean="0"/>
-            </a:br>
-            <a:r>
-              <a:rPr lang="en-US" dirty="0" smtClean="0"/>
-              <a:t>  </a:t>
-            </a:r>
-            <a:r>
-              <a:rPr lang="en-US" dirty="0" err="1" smtClean="0"/>
-              <a:t>withColumn</a:t>
-            </a:r>
-            <a:r>
-              <a:rPr lang="en-US" dirty="0" smtClean="0"/>
-              <a:t>('</a:t>
-            </a:r>
-            <a:r>
-              <a:rPr lang="en-US" dirty="0" err="1" smtClean="0"/>
-              <a:t>first_pc</a:t>
-            </a:r>
-            <a:r>
-              <a:rPr lang="en-US" dirty="0" smtClean="0"/>
-              <a:t>', </a:t>
-            </a:r>
-            <a:br>
-              <a:rPr lang="en-US" dirty="0" smtClean="0"/>
-            </a:br>
-            <a:r>
-              <a:rPr lang="en-US" dirty="0" smtClean="0"/>
-              <a:t>    split(</a:t>
-            </a:r>
-            <a:r>
-              <a:rPr lang="en-US" dirty="0" err="1" smtClean="0"/>
-              <a:t>df.postcode</a:t>
-            </a:r>
-            <a:r>
-              <a:rPr lang="en-US" dirty="0" smtClean="0"/>
-              <a:t>, '\s’[0]).</a:t>
-            </a:r>
-            <a:br>
-              <a:rPr lang="en-US" dirty="0" smtClean="0"/>
-            </a:br>
-            <a:r>
-              <a:rPr lang="en-US" dirty="0" smtClean="0"/>
-              <a:t>    where((col("</a:t>
-            </a:r>
-            <a:r>
-              <a:rPr lang="en-US" dirty="0" err="1" smtClean="0"/>
-              <a:t>first_pc</a:t>
-            </a:r>
-            <a:r>
-              <a:rPr lang="en-US" dirty="0" smtClean="0"/>
-              <a:t>") == 'SW11') or  </a:t>
-            </a:r>
-            <a:br>
-              <a:rPr lang="en-US" dirty="0" smtClean="0"/>
-            </a:br>
-            <a:r>
-              <a:rPr lang="en-US" dirty="0" smtClean="0"/>
-              <a:t>                 (col("</a:t>
-            </a:r>
-            <a:r>
-              <a:rPr lang="en-US" dirty="0" err="1" smtClean="0"/>
-              <a:t>first_pc</a:t>
-            </a:r>
-            <a:r>
-              <a:rPr lang="en-US" dirty="0" smtClean="0"/>
-              <a:t>") == 'OX1')).</a:t>
-            </a:r>
-            <a:br>
-              <a:rPr lang="en-US" dirty="0" smtClean="0"/>
-            </a:br>
-            <a:r>
-              <a:rPr lang="en-US" dirty="0" smtClean="0"/>
-              <a:t>     </a:t>
-            </a:r>
-            <a:r>
-              <a:rPr lang="en-US" dirty="0" err="1" smtClean="0"/>
-              <a:t>groupBy</a:t>
-            </a:r>
-            <a:r>
-              <a:rPr lang="en-US" dirty="0" smtClean="0"/>
-              <a:t>('</a:t>
-            </a:r>
-            <a:r>
-              <a:rPr lang="en-US" dirty="0" err="1" smtClean="0"/>
-              <a:t>first_pc</a:t>
-            </a:r>
-            <a:r>
-              <a:rPr lang="en-US" dirty="0" smtClean="0"/>
-              <a:t>').</a:t>
-            </a:r>
-            <a:br>
-              <a:rPr lang="en-US" dirty="0" smtClean="0"/>
-            </a:br>
-            <a:r>
-              <a:rPr lang="en-US" dirty="0" smtClean="0"/>
-              <a:t>     </a:t>
-            </a:r>
-            <a:r>
-              <a:rPr lang="en-US" dirty="0" err="1" smtClean="0"/>
-              <a:t>agg</a:t>
-            </a:r>
-            <a:r>
-              <a:rPr lang="en-US" dirty="0" smtClean="0"/>
-              <a:t>({"id": "count"})</a:t>
-            </a:r>
-            <a:r>
-              <a:rPr lang="en-US" smtClean="0"/>
-              <a:t>.show(</a:t>
-            </a:r>
-            <a:r>
-              <a:rPr lang="en-US" dirty="0" smtClean="0"/>
-              <a:t>)</a:t>
-            </a:r>
-          </a:p>
-          <a:p>
-            <a:endParaRPr lang="en-US" dirty="0"/>
-          </a:p>
-        </p:txBody>
-      </p:sp>
-    </p:spTree>
-    <p:extLst>
-      <p:ext uri="{BB962C8B-B14F-4D97-AF65-F5344CB8AC3E}">
-        <p14:creationId xmlns:p14="http://schemas.microsoft.com/office/powerpoint/2010/main" val="752523419"/>
-      </p:ext>
-    </p:extLst>
-  </p:cSld>
-  <p:clrMapOvr>
-    <a:masterClrMapping/>
-  </p:clrMapOvr>
-  <p:timing>
-    <p:tnLst>
-      <p:par>
-        <p:cTn xmlns:p14="http://schemas.microsoft.com/office/powerpoint/2010/main" id="1" dur="indefinite" restart="never" nodeType="tmRoot"/>
-      </p:par>
-    </p:tnLst>
-  </p:timing>
-</p:sld>
-</file>
-
 <file path=ppt/slides/slide36.xml><?xml version="1.0" encoding="utf-8"?>
 <p:sld xmlns:a="http://schemas.openxmlformats.org/drawingml/2006/main" xmlns:r="http://schemas.openxmlformats.org/officeDocument/2006/relationships" xmlns:p="http://schemas.openxmlformats.org/presentationml/2006/main">
   <p:cSld>
@@ -8862,89 +8914,174 @@
         </p:nvSpPr>
         <p:spPr/>
         <p:txBody>
-          <a:bodyPr>
-            <a:normAutofit/>
-          </a:bodyPr>
-          <a:lstStyle/>
-          <a:p>
-            <a:r>
-              <a:rPr lang="en-US" dirty="0" smtClean="0"/>
-              <a:t>Spark packages</a:t>
-            </a:r>
-            <a:endParaRPr lang="en-US" dirty="0"/>
-          </a:p>
-        </p:txBody>
-      </p:sp>
-      <p:sp>
-        <p:nvSpPr>
-          <p:cNvPr id="3" name="Content Placeholder 2"/>
-          <p:cNvSpPr>
-            <a:spLocks noGrp="1"/>
-          </p:cNvSpPr>
-          <p:nvPr>
-            <p:ph idx="1"/>
-          </p:nvPr>
-        </p:nvSpPr>
-        <p:spPr/>
-        <p:txBody>
           <a:bodyPr/>
           <a:lstStyle/>
           <a:p>
             <a:r>
               <a:rPr lang="en-US" dirty="0" smtClean="0"/>
-              <a:t>A wide set of plugins</a:t>
-            </a:r>
-          </a:p>
-          <a:p>
-            <a:pPr lvl="1"/>
-            <a:r>
-              <a:rPr lang="en-US" dirty="0" smtClean="0"/>
-              <a:t>Currently 148 community donated plugins</a:t>
-            </a:r>
-          </a:p>
-          <a:p>
-            <a:r>
-              <a:rPr lang="en-US" dirty="0" smtClean="0"/>
-              <a:t> Data connectors	</a:t>
-            </a:r>
-          </a:p>
-          <a:p>
-            <a:pPr lvl="1"/>
-            <a:r>
-              <a:rPr lang="en-US" dirty="0" smtClean="0"/>
-              <a:t>Cassandra, </a:t>
-            </a:r>
+              <a:t>More SQL</a:t>
+            </a:r>
+            <a:endParaRPr lang="en-US" dirty="0"/>
+          </a:p>
+        </p:txBody>
+      </p:sp>
+      <p:sp>
+        <p:nvSpPr>
+          <p:cNvPr id="3" name="Content Placeholder 2"/>
+          <p:cNvSpPr>
+            <a:spLocks noGrp="1"/>
+          </p:cNvSpPr>
+          <p:nvPr>
+            <p:ph idx="1"/>
+          </p:nvPr>
+        </p:nvSpPr>
+        <p:spPr/>
+        <p:txBody>
+          <a:bodyPr/>
+          <a:lstStyle/>
+          <a:p>
+            <a:pPr marL="0" indent="0">
+              <a:buNone/>
+            </a:pPr>
             <a:r>
               <a:rPr lang="en-US" dirty="0" err="1" smtClean="0"/>
-              <a:t>Couchbase</a:t>
-            </a:r>
-            <a:r>
-              <a:rPr lang="en-US" dirty="0" smtClean="0"/>
-              <a:t>, Mongo, CSV, </a:t>
+              <a:t>df</a:t>
+            </a:r>
+            <a:r>
+              <a:rPr lang="en-US" dirty="0" smtClean="0"/>
+              <a:t>.</a:t>
+            </a:r>
+            <a:br>
+              <a:rPr lang="en-US" dirty="0" smtClean="0"/>
+            </a:br>
+            <a:r>
+              <a:rPr lang="en-US" dirty="0" smtClean="0"/>
+              <a:t>  select('</a:t>
             </a:r>
             <a:r>
               <a:rPr lang="en-US" dirty="0" err="1" smtClean="0"/>
-              <a:t>etc</a:t>
-            </a:r>
-            <a:endParaRPr lang="en-US" dirty="0" smtClean="0"/>
-          </a:p>
-          <a:p>
-            <a:r>
-              <a:rPr lang="en-US" dirty="0" smtClean="0"/>
-              <a:t>Machine Learning, Neural networks</a:t>
-            </a:r>
-          </a:p>
-          <a:p>
-            <a:r>
-              <a:rPr lang="en-US" dirty="0" smtClean="0"/>
-              <a:t>Streaming</a:t>
-            </a:r>
-          </a:p>
-          <a:p>
+              <a:t>postcode’,’id</a:t>
+            </a:r>
+            <a:r>
+              <a:rPr lang="en-US" dirty="0" smtClean="0"/>
+              <a:t>').</a:t>
+            </a:r>
+            <a:br>
+              <a:rPr lang="en-US" dirty="0" smtClean="0"/>
+            </a:br>
+            <a:r>
+              <a:rPr lang="en-US" dirty="0" smtClean="0"/>
+              <a:t>  </a:t>
+            </a:r>
             <a:r>
               <a:rPr lang="en-US" dirty="0" err="1" smtClean="0"/>
-              <a:t>etc</a:t>
-            </a:r>
+              <a:t>withColumn</a:t>
+            </a:r>
+            <a:r>
+              <a:rPr lang="en-US" dirty="0" smtClean="0"/>
+              <a:t>('</a:t>
+            </a:r>
+            <a:r>
+              <a:rPr lang="en-US" dirty="0" err="1" smtClean="0"/>
+              <a:t>first_pc</a:t>
+            </a:r>
+            <a:r>
+              <a:rPr lang="en-US" dirty="0" smtClean="0"/>
+              <a:t>', </a:t>
+            </a:r>
+            <a:br>
+              <a:rPr lang="en-US" dirty="0" smtClean="0"/>
+            </a:br>
+            <a:r>
+              <a:rPr lang="en-US" dirty="0" smtClean="0"/>
+              <a:t>    split(</a:t>
+            </a:r>
+            <a:r>
+              <a:rPr lang="en-US" dirty="0" err="1" smtClean="0"/>
+              <a:t>df.postcode</a:t>
+            </a:r>
+            <a:r>
+              <a:rPr lang="en-US" dirty="0" smtClean="0"/>
+              <a:t>, '\s’[0]).</a:t>
+            </a:r>
+            <a:br>
+              <a:rPr lang="en-US" dirty="0" smtClean="0"/>
+            </a:br>
+            <a:r>
+              <a:rPr lang="en-US" dirty="0" smtClean="0"/>
+              <a:t>    where((col("</a:t>
+            </a:r>
+            <a:r>
+              <a:rPr lang="en-US" dirty="0" err="1" smtClean="0"/>
+              <a:t>first_pc</a:t>
+            </a:r>
+            <a:r>
+              <a:rPr lang="en-US" dirty="0" smtClean="0"/>
+              <a:t>") == 'SW11') or  </a:t>
+            </a:r>
+            <a:br>
+              <a:rPr lang="en-US" dirty="0" smtClean="0"/>
+            </a:br>
+            <a:r>
+              <a:rPr lang="en-US" dirty="0" smtClean="0"/>
+              <a:t>                 (col("</a:t>
+            </a:r>
+            <a:r>
+              <a:rPr lang="en-US" dirty="0" err="1" smtClean="0"/>
+              <a:t>first_pc</a:t>
+            </a:r>
+            <a:r>
+              <a:rPr lang="en-US" dirty="0" smtClean="0"/>
+              <a:t>") == 'OX1')).</a:t>
+            </a:r>
+            <a:br>
+              <a:rPr lang="en-US" dirty="0" smtClean="0"/>
+            </a:br>
+            <a:r>
+              <a:rPr lang="en-US" dirty="0" smtClean="0"/>
+              <a:t>     </a:t>
+            </a:r>
+            <a:r>
+              <a:rPr lang="en-US" dirty="0" err="1" smtClean="0"/>
+              <a:t>groupBy</a:t>
+            </a:r>
+            <a:r>
+              <a:rPr lang="en-US" dirty="0" smtClean="0"/>
+              <a:t>('</a:t>
+            </a:r>
+            <a:r>
+              <a:rPr lang="en-US" dirty="0" err="1" smtClean="0"/>
+              <a:t>first_pc</a:t>
+            </a:r>
+            <a:r>
+              <a:rPr lang="en-US" dirty="0" smtClean="0"/>
+              <a:t>').</a:t>
+            </a:r>
+            <a:br>
+              <a:rPr lang="en-US" dirty="0" smtClean="0"/>
+            </a:br>
+            <a:r>
+              <a:rPr lang="en-US" dirty="0" smtClean="0"/>
+              <a:t>     </a:t>
+            </a:r>
+            <a:r>
+              <a:rPr lang="en-US" dirty="0" err="1" smtClean="0"/>
+              <a:t>agg</a:t>
+            </a:r>
+            <a:r>
+              <a:rPr lang="en-US" dirty="0" smtClean="0"/>
+              <a:t>({"id": "count"})</a:t>
+            </a:r>
+            <a:r>
+              <a:rPr lang="en-US" smtClean="0"/>
+              <a:t>.show(</a:t>
+            </a:r>
+            <a:r>
+              <a:rPr lang="en-US" dirty="0" smtClean="0"/>
+              <a:t>)</a:t>
+            </a:r>
+          </a:p>
+          <a:p>
             <a:endParaRPr lang="en-US" dirty="0"/>
           </a:p>
         </p:txBody>
@@ -8952,7 +9089,7 @@
     </p:spTree>
     <p:extLst>
       <p:ext uri="{BB962C8B-B14F-4D97-AF65-F5344CB8AC3E}">
-        <p14:creationId xmlns:p14="http://schemas.microsoft.com/office/powerpoint/2010/main" val="2454011762"/>
+        <p14:creationId xmlns:p14="http://schemas.microsoft.com/office/powerpoint/2010/main" val="752523419"/>
       </p:ext>
     </p:extLst>
   </p:cSld>
@@ -8998,85 +9135,97 @@
         </p:nvSpPr>
         <p:spPr/>
         <p:txBody>
+          <a:bodyPr>
+            <a:normAutofit/>
+          </a:bodyPr>
+          <a:lstStyle/>
+          <a:p>
+            <a:r>
+              <a:rPr lang="en-US" dirty="0" smtClean="0"/>
+              <a:t>Spark packages</a:t>
+            </a:r>
+            <a:endParaRPr lang="en-US" dirty="0"/>
+          </a:p>
+        </p:txBody>
+      </p:sp>
+      <p:sp>
+        <p:nvSpPr>
+          <p:cNvPr id="3" name="Content Placeholder 2"/>
+          <p:cNvSpPr>
+            <a:spLocks noGrp="1"/>
+          </p:cNvSpPr>
+          <p:nvPr>
+            <p:ph idx="1"/>
+          </p:nvPr>
+        </p:nvSpPr>
+        <p:spPr/>
+        <p:txBody>
           <a:bodyPr/>
           <a:lstStyle/>
           <a:p>
             <a:r>
               <a:rPr lang="en-US" dirty="0" smtClean="0"/>
-              <a:t>Using Spark Packages</a:t>
+              <a:t>A wide set of plugins</a:t>
+            </a:r>
+          </a:p>
+          <a:p>
+            <a:pPr lvl="1"/>
+            <a:r>
+              <a:rPr lang="en-US" dirty="0" smtClean="0"/>
+              <a:t>Currently 148 community donated plugins</a:t>
+            </a:r>
+          </a:p>
+          <a:p>
+            <a:r>
+              <a:rPr lang="en-US" dirty="0" smtClean="0"/>
+              <a:t> Data connectors	</a:t>
+            </a:r>
+          </a:p>
+          <a:p>
+            <a:pPr lvl="1"/>
+            <a:r>
+              <a:rPr lang="en-US" dirty="0" smtClean="0"/>
+              <a:t>Cassandra, </a:t>
+            </a:r>
+            <a:r>
+              <a:rPr lang="en-US" dirty="0" err="1" smtClean="0"/>
+              <a:t>Couchbase</a:t>
+            </a:r>
+            <a:r>
+              <a:rPr lang="en-US" dirty="0" smtClean="0"/>
+              <a:t>, Mongo, CSV, </a:t>
+            </a:r>
+            <a:r>
+              <a:rPr lang="en-US" dirty="0" err="1" smtClean="0"/>
+              <a:t>etc</a:t>
+            </a:r>
+            <a:endParaRPr lang="en-US" dirty="0" smtClean="0"/>
+          </a:p>
+          <a:p>
+            <a:r>
+              <a:rPr lang="en-US" dirty="0" smtClean="0"/>
+              <a:t>Machine Learning, Neural networks</a:t>
+            </a:r>
+          </a:p>
+          <a:p>
+            <a:r>
+              <a:rPr lang="en-US" dirty="0" smtClean="0"/>
+              <a:t>Streaming</a:t>
+            </a:r>
+          </a:p>
+          <a:p>
+            <a:r>
+              <a:rPr lang="en-US" dirty="0" err="1" smtClean="0"/>
+              <a:t>etc</a:t>
             </a:r>
             <a:endParaRPr lang="en-US" dirty="0"/>
-          </a:p>
-        </p:txBody>
-      </p:sp>
-      <p:sp>
-        <p:nvSpPr>
-          <p:cNvPr id="3" name="Content Placeholder 2"/>
-          <p:cNvSpPr>
-            <a:spLocks noGrp="1"/>
-          </p:cNvSpPr>
-          <p:nvPr>
-            <p:ph idx="1"/>
-          </p:nvPr>
-        </p:nvSpPr>
-        <p:spPr/>
-        <p:txBody>
-          <a:bodyPr/>
-          <a:lstStyle/>
-          <a:p>
-            <a:pPr marL="0" indent="0">
-              <a:buNone/>
-            </a:pPr>
-            <a:r>
-              <a:rPr lang="en-US" dirty="0" smtClean="0"/>
-              <a:t>Automatic download from the web:</a:t>
-            </a:r>
-          </a:p>
-          <a:p>
-            <a:pPr marL="0" indent="0">
-              <a:buNone/>
-            </a:pPr>
-            <a:endParaRPr lang="en-US" dirty="0"/>
-          </a:p>
-          <a:p>
-            <a:pPr marL="0" indent="0">
-              <a:buNone/>
-            </a:pPr>
-            <a:endParaRPr lang="en-US" dirty="0" smtClean="0"/>
-          </a:p>
-          <a:p>
-            <a:pPr marL="0" indent="0">
-              <a:buNone/>
-            </a:pPr>
-            <a:r>
-              <a:rPr lang="en-US" sz="2400" dirty="0" smtClean="0"/>
-              <a:t>bin</a:t>
-            </a:r>
-            <a:r>
-              <a:rPr lang="en-US" sz="2400" dirty="0"/>
-              <a:t>/spark-shell </a:t>
-            </a:r>
-            <a:endParaRPr lang="en-US" sz="2400" dirty="0" smtClean="0"/>
-          </a:p>
-          <a:p>
-            <a:pPr marL="457200" lvl="1" indent="0">
-              <a:buNone/>
-            </a:pPr>
-            <a:r>
-              <a:rPr lang="en-US" sz="2400" dirty="0" smtClean="0"/>
-              <a:t>-</a:t>
-            </a:r>
-            <a:r>
-              <a:rPr lang="en-US" sz="2400" dirty="0"/>
-              <a:t>-packages com.databricks:spark-csv_2.11:1.2.0</a:t>
-            </a:r>
           </a:p>
         </p:txBody>
       </p:sp>
     </p:spTree>
     <p:extLst>
       <p:ext uri="{BB962C8B-B14F-4D97-AF65-F5344CB8AC3E}">
-        <p14:creationId xmlns:p14="http://schemas.microsoft.com/office/powerpoint/2010/main" val="2390105459"/>
+        <p14:creationId xmlns:p14="http://schemas.microsoft.com/office/powerpoint/2010/main" val="2454011762"/>
       </p:ext>
     </p:extLst>
   </p:cSld>
@@ -9127,7 +9276,7 @@
           <a:p>
             <a:r>
               <a:rPr lang="en-US" dirty="0" smtClean="0"/>
-              <a:t>Notebooks</a:t>
+              <a:t>Using Spark Packages</a:t>
             </a:r>
             <a:endParaRPr lang="en-US" dirty="0"/>
           </a:p>
@@ -9135,7 +9284,7 @@
       </p:sp>
       <p:sp>
         <p:nvSpPr>
-          <p:cNvPr id="4" name="Content Placeholder 3"/>
+          <p:cNvPr id="3" name="Content Placeholder 2"/>
           <p:cNvSpPr>
             <a:spLocks noGrp="1"/>
           </p:cNvSpPr>
@@ -9145,82 +9294,62 @@
         </p:nvSpPr>
         <p:spPr/>
         <p:txBody>
-          <a:bodyPr>
-            <a:normAutofit fontScale="92500" lnSpcReduction="20000"/>
-          </a:bodyPr>
+          <a:bodyPr/>
           <a:lstStyle/>
           <a:p>
-            <a:r>
-              <a:rPr lang="en-US" dirty="0" smtClean="0"/>
-              <a:t>A way of creating and sharing big data analysis</a:t>
-            </a:r>
-          </a:p>
-          <a:p>
-            <a:r>
-              <a:rPr lang="en-US" dirty="0" smtClean="0"/>
-              <a:t>Combines code, comments, analysis and results</a:t>
-            </a:r>
-          </a:p>
-          <a:p>
-            <a:pPr lvl="1"/>
-            <a:r>
-              <a:rPr lang="en-US" dirty="0" err="1" smtClean="0"/>
-              <a:t>Jupyter</a:t>
-            </a:r>
+            <a:pPr marL="0" indent="0">
+              <a:buNone/>
+            </a:pPr>
+            <a:r>
+              <a:rPr lang="en-US" dirty="0" smtClean="0"/>
+              <a:t>Automatic download from the web:</a:t>
+            </a:r>
+          </a:p>
+          <a:p>
+            <a:pPr marL="0" indent="0">
+              <a:buNone/>
+            </a:pPr>
+            <a:endParaRPr lang="en-US" dirty="0"/>
+          </a:p>
+          <a:p>
+            <a:pPr marL="0" indent="0">
+              <a:buNone/>
+            </a:pPr>
             <a:endParaRPr lang="en-US" dirty="0" smtClean="0"/>
           </a:p>
           <a:p>
-            <a:pPr lvl="2"/>
-            <a:r>
-              <a:rPr lang="en-US" dirty="0" smtClean="0"/>
-              <a:t>Previously </a:t>
-            </a:r>
-            <a:r>
-              <a:rPr lang="en-US" dirty="0" err="1" smtClean="0"/>
-              <a:t>IPython</a:t>
-            </a:r>
-            <a:r>
-              <a:rPr lang="en-US" dirty="0" smtClean="0"/>
-              <a:t>, now much extended for Big Data</a:t>
-            </a:r>
-            <a:endParaRPr lang="en-US" dirty="0"/>
-          </a:p>
-          <a:p>
-            <a:pPr lvl="2"/>
-            <a:r>
-              <a:rPr lang="en-US" dirty="0" smtClean="0"/>
-              <a:t>Supports not just Python, but Spark </a:t>
-            </a:r>
-            <a:r>
-              <a:rPr lang="en-US" dirty="0" err="1" smtClean="0"/>
-              <a:t>Scala</a:t>
-            </a:r>
-            <a:r>
-              <a:rPr lang="en-US" dirty="0" smtClean="0"/>
-              <a:t> and others</a:t>
-            </a:r>
-          </a:p>
-          <a:p>
-            <a:pPr lvl="1"/>
-            <a:r>
-              <a:rPr lang="en-US" dirty="0" smtClean="0"/>
-              <a:t>Apache Zeppelin</a:t>
-            </a:r>
-          </a:p>
-          <a:p>
-            <a:pPr lvl="2"/>
-            <a:r>
-              <a:rPr lang="en-US" dirty="0" smtClean="0"/>
-              <a:t>A new project aimed at multiple big data analysis models</a:t>
-            </a:r>
-            <a:endParaRPr lang="en-US" dirty="0"/>
+            <a:pPr marL="0" indent="0">
+              <a:buNone/>
+            </a:pPr>
+            <a:r>
+              <a:rPr lang="en-US" sz="2400" dirty="0" smtClean="0"/>
+              <a:t>bin</a:t>
+            </a:r>
+            <a:r>
+              <a:rPr lang="en-US" sz="2400" dirty="0"/>
+              <a:t>/spark-shell </a:t>
+            </a:r>
+            <a:endParaRPr lang="en-US" sz="2400" dirty="0" smtClean="0"/>
+          </a:p>
+          <a:p>
+            <a:pPr marL="457200" lvl="1" indent="0">
+              <a:buNone/>
+            </a:pPr>
+            <a:r>
+              <a:rPr lang="en-US" sz="2400" dirty="0" smtClean="0"/>
+              <a:t>-</a:t>
+            </a:r>
+            <a:r>
+              <a:rPr lang="en-US" sz="2400" dirty="0"/>
+              <a:t>-packages com.databricks:spark-csv_2.11:1.2.0</a:t>
+            </a:r>
           </a:p>
         </p:txBody>
       </p:sp>
     </p:spTree>
     <p:extLst>
       <p:ext uri="{BB962C8B-B14F-4D97-AF65-F5344CB8AC3E}">
-        <p14:creationId xmlns:p14="http://schemas.microsoft.com/office/powerpoint/2010/main" val="4201993415"/>
+        <p14:creationId xmlns:p14="http://schemas.microsoft.com/office/powerpoint/2010/main" val="2390105459"/>
       </p:ext>
     </p:extLst>
   </p:cSld>
@@ -9270,41 +9399,101 @@
           <a:lstStyle/>
           <a:p>
             <a:r>
-              <a:rPr lang="en-US" smtClean="0"/>
+              <a:rPr lang="en-US" dirty="0" smtClean="0"/>
+              <a:t>Notebooks</a:t>
+            </a:r>
+            <a:endParaRPr lang="en-US" dirty="0"/>
+          </a:p>
+        </p:txBody>
+      </p:sp>
+      <p:sp>
+        <p:nvSpPr>
+          <p:cNvPr id="4" name="Content Placeholder 3"/>
+          <p:cNvSpPr>
+            <a:spLocks noGrp="1"/>
+          </p:cNvSpPr>
+          <p:nvPr>
+            <p:ph idx="1"/>
+          </p:nvPr>
+        </p:nvSpPr>
+        <p:spPr/>
+        <p:txBody>
+          <a:bodyPr>
+            <a:normAutofit fontScale="92500" lnSpcReduction="20000"/>
+          </a:bodyPr>
+          <a:lstStyle/>
+          <a:p>
+            <a:r>
+              <a:rPr lang="en-US" dirty="0" smtClean="0"/>
+              <a:t>A way of creating and sharing big data analysis</a:t>
+            </a:r>
+          </a:p>
+          <a:p>
+            <a:r>
+              <a:rPr lang="en-US" dirty="0" smtClean="0"/>
+              <a:t>Combines code, comments, analysis and results</a:t>
+            </a:r>
+          </a:p>
+          <a:p>
+            <a:pPr lvl="1"/>
+            <a:r>
+              <a:rPr lang="en-US" dirty="0" err="1" smtClean="0"/>
               <a:t>Jupyter</a:t>
             </a:r>
-            <a:endParaRPr lang="en-US"/>
-          </a:p>
-        </p:txBody>
-      </p:sp>
-      <p:pic>
-        <p:nvPicPr>
-          <p:cNvPr id="5" name="Picture 4"/>
-          <p:cNvPicPr>
-            <a:picLocks noChangeAspect="1"/>
-          </p:cNvPicPr>
-          <p:nvPr/>
-        </p:nvPicPr>
-        <p:blipFill>
-          <a:blip r:embed="rId2"/>
-          <a:stretch>
-            <a:fillRect/>
-          </a:stretch>
-        </p:blipFill>
-        <p:spPr>
-          <a:xfrm>
-            <a:off x="0" y="1290975"/>
-            <a:ext cx="9144000" cy="4806863"/>
-          </a:xfrm>
-          <a:prstGeom prst="rect">
-            <a:avLst/>
-          </a:prstGeom>
-        </p:spPr>
-      </p:pic>
+            <a:endParaRPr lang="en-US" dirty="0" smtClean="0"/>
+          </a:p>
+          <a:p>
+            <a:pPr lvl="2"/>
+            <a:r>
+              <a:rPr lang="en-US" dirty="0" smtClean="0"/>
+              <a:t>Previously </a:t>
+            </a:r>
+            <a:r>
+              <a:rPr lang="en-US" dirty="0" err="1" smtClean="0"/>
+              <a:t>IPython</a:t>
+            </a:r>
+            <a:r>
+              <a:rPr lang="en-US" dirty="0" smtClean="0"/>
+              <a:t>, now much extended for Big Data</a:t>
+            </a:r>
+            <a:endParaRPr lang="en-US" dirty="0"/>
+          </a:p>
+          <a:p>
+            <a:pPr lvl="2"/>
+            <a:r>
+              <a:rPr lang="en-US" dirty="0" smtClean="0"/>
+              <a:t>Supports not just Python, but Spark </a:t>
+            </a:r>
+            <a:r>
+              <a:rPr lang="en-US" dirty="0" err="1" smtClean="0"/>
+              <a:t>Scala</a:t>
+            </a:r>
+            <a:r>
+              <a:rPr lang="en-US" dirty="0" smtClean="0"/>
+              <a:t> and others</a:t>
+            </a:r>
+          </a:p>
+          <a:p>
+            <a:pPr lvl="1"/>
+            <a:r>
+              <a:rPr lang="en-US" dirty="0" smtClean="0"/>
+              <a:t>Apache Zeppelin</a:t>
+            </a:r>
+          </a:p>
+          <a:p>
+            <a:pPr lvl="2"/>
+            <a:r>
+              <a:rPr lang="en-US" dirty="0" smtClean="0"/>
+              <a:t>A new project aimed at multiple big data analysis models</a:t>
+            </a:r>
+            <a:endParaRPr lang="en-US" dirty="0"/>
+          </a:p>
+        </p:txBody>
+      </p:sp>
     </p:spTree>
     <p:extLst>
       <p:ext uri="{BB962C8B-B14F-4D97-AF65-F5344CB8AC3E}">
-        <p14:creationId xmlns:p14="http://schemas.microsoft.com/office/powerpoint/2010/main" val="1412177931"/>
+        <p14:creationId xmlns:p14="http://schemas.microsoft.com/office/powerpoint/2010/main" val="4201993415"/>
       </p:ext>
     </p:extLst>
   </p:cSld>
@@ -9918,17 +10107,41 @@
           <a:lstStyle/>
           <a:p>
             <a:r>
-              <a:rPr lang="en-US" dirty="0" smtClean="0"/>
-              <a:t>Time for a lab!</a:t>
-            </a:r>
-            <a:endParaRPr lang="en-US" dirty="0"/>
-          </a:p>
-        </p:txBody>
-      </p:sp>
+              <a:rPr lang="en-US" smtClean="0"/>
+              <a:t>Jupyter</a:t>
+            </a:r>
+            <a:endParaRPr lang="en-US"/>
+          </a:p>
+        </p:txBody>
+      </p:sp>
+      <p:pic>
+        <p:nvPicPr>
+          <p:cNvPr id="5" name="Picture 4"/>
+          <p:cNvPicPr>
+            <a:picLocks noChangeAspect="1"/>
+          </p:cNvPicPr>
+          <p:nvPr/>
+        </p:nvPicPr>
+        <p:blipFill>
+          <a:blip r:embed="rId2"/>
+          <a:stretch>
+            <a:fillRect/>
+          </a:stretch>
+        </p:blipFill>
+        <p:spPr>
+          <a:xfrm>
+            <a:off x="0" y="1290975"/>
+            <a:ext cx="9144000" cy="4806863"/>
+          </a:xfrm>
+          <a:prstGeom prst="rect">
+            <a:avLst/>
+          </a:prstGeom>
+        </p:spPr>
+      </p:pic>
     </p:spTree>
     <p:extLst>
       <p:ext uri="{BB962C8B-B14F-4D97-AF65-F5344CB8AC3E}">
-        <p14:creationId xmlns:p14="http://schemas.microsoft.com/office/powerpoint/2010/main" val="816383995"/>
+        <p14:creationId xmlns:p14="http://schemas.microsoft.com/office/powerpoint/2010/main" val="1412177931"/>
       </p:ext>
     </p:extLst>
   </p:cSld>
@@ -9979,51 +10192,7 @@
           <a:p>
             <a:r>
               <a:rPr lang="en-US" dirty="0" smtClean="0"/>
-              <a:t>Locality</a:t>
-            </a:r>
-            <a:endParaRPr lang="en-US" dirty="0"/>
-          </a:p>
-        </p:txBody>
-      </p:sp>
-      <p:sp>
-        <p:nvSpPr>
-          <p:cNvPr id="3" name="Content Placeholder 2"/>
-          <p:cNvSpPr>
-            <a:spLocks noGrp="1"/>
-          </p:cNvSpPr>
-          <p:nvPr>
-            <p:ph idx="1"/>
-          </p:nvPr>
-        </p:nvSpPr>
-        <p:spPr/>
-        <p:txBody>
-          <a:bodyPr/>
-          <a:lstStyle/>
-          <a:p>
-            <a:r>
-              <a:rPr lang="en-US" dirty="0" smtClean="0"/>
-              <a:t>Spark understands the locality of data:</a:t>
-            </a:r>
-          </a:p>
-          <a:p>
-            <a:pPr lvl="1"/>
-            <a:r>
-              <a:rPr lang="en-US" dirty="0" smtClean="0"/>
-              <a:t>Already in memory</a:t>
-            </a:r>
-          </a:p>
-          <a:p>
-            <a:pPr lvl="1"/>
-            <a:r>
-              <a:rPr lang="en-US" dirty="0" smtClean="0"/>
-              <a:t>HDFS location</a:t>
-            </a:r>
-          </a:p>
-          <a:p>
-            <a:pPr lvl="1"/>
-            <a:r>
-              <a:rPr lang="en-US" dirty="0" smtClean="0"/>
-              <a:t>Cassandra location</a:t>
+              <a:t>Time for a lab!</a:t>
             </a:r>
             <a:endParaRPr lang="en-US" dirty="0"/>
           </a:p>
@@ -10032,7 +10201,7 @@
     </p:spTree>
     <p:extLst>
       <p:ext uri="{BB962C8B-B14F-4D97-AF65-F5344CB8AC3E}">
-        <p14:creationId xmlns:p14="http://schemas.microsoft.com/office/powerpoint/2010/main" val="546616968"/>
+        <p14:creationId xmlns:p14="http://schemas.microsoft.com/office/powerpoint/2010/main" val="816383995"/>
       </p:ext>
     </p:extLst>
   </p:cSld>
@@ -10083,7 +10252,7 @@
           <a:p>
             <a:r>
               <a:rPr lang="en-US" dirty="0" smtClean="0"/>
-              <a:t>Spark Extras</a:t>
+              <a:t>Locality</a:t>
             </a:r>
             <a:endParaRPr lang="en-US" dirty="0"/>
           </a:p>
@@ -10091,299 +10260,52 @@
       </p:sp>
       <p:sp>
         <p:nvSpPr>
-          <p:cNvPr id="4" name="Rounded Rectangle 3"/>
-          <p:cNvSpPr/>
-          <p:nvPr/>
-        </p:nvSpPr>
-        <p:spPr>
-          <a:xfrm>
-            <a:off x="812800" y="4510708"/>
-            <a:ext cx="7467600" cy="1117600"/>
-          </a:xfrm>
-          <a:prstGeom prst="roundRect">
-            <a:avLst/>
-          </a:prstGeom>
-        </p:spPr>
-        <p:style>
-          <a:lnRef idx="1">
-            <a:schemeClr val="accent1"/>
-          </a:lnRef>
-          <a:fillRef idx="2">
-            <a:schemeClr val="accent1"/>
-          </a:fillRef>
-          <a:effectRef idx="1">
-            <a:schemeClr val="accent1"/>
-          </a:effectRef>
-          <a:fontRef idx="minor">
-            <a:schemeClr val="dk1"/>
-          </a:fontRef>
-        </p:style>
-        <p:txBody>
-          <a:bodyPr rtlCol="0" anchor="ctr"/>
+          <p:cNvPr id="3" name="Content Placeholder 2"/>
+          <p:cNvSpPr>
+            <a:spLocks noGrp="1"/>
+          </p:cNvSpPr>
+          <p:nvPr>
+            <p:ph idx="1"/>
+          </p:nvPr>
+        </p:nvSpPr>
+        <p:spPr/>
+        <p:txBody>
+          <a:bodyPr/>
           <a:lstStyle/>
           <a:p>
-            <a:pPr algn="ctr"/>
-            <a:r>
-              <a:rPr lang="en-US" sz="2800" dirty="0" smtClean="0">
-                <a:latin typeface="Montserrat"/>
-              </a:rPr>
-              <a:t>Spark Core</a:t>
-            </a:r>
-            <a:endParaRPr lang="en-US" sz="2800" dirty="0">
-              <a:latin typeface="Montserrat"/>
-            </a:endParaRPr>
-          </a:p>
-        </p:txBody>
-      </p:sp>
-      <p:sp>
-        <p:nvSpPr>
-          <p:cNvPr id="5" name="Rounded Rectangle 4"/>
-          <p:cNvSpPr/>
-          <p:nvPr/>
-        </p:nvSpPr>
-        <p:spPr>
-          <a:xfrm>
-            <a:off x="812800" y="1902148"/>
-            <a:ext cx="1371600" cy="2463800"/>
-          </a:xfrm>
-          <a:prstGeom prst="roundRect">
-            <a:avLst/>
-          </a:prstGeom>
-        </p:spPr>
-        <p:style>
-          <a:lnRef idx="1">
-            <a:schemeClr val="accent4"/>
-          </a:lnRef>
-          <a:fillRef idx="2">
-            <a:schemeClr val="accent4"/>
-          </a:fillRef>
-          <a:effectRef idx="1">
-            <a:schemeClr val="accent4"/>
-          </a:effectRef>
-          <a:fontRef idx="minor">
-            <a:schemeClr val="dk1"/>
-          </a:fontRef>
-        </p:style>
-        <p:txBody>
-          <a:bodyPr rtlCol="0" anchor="ctr"/>
-          <a:lstStyle/>
-          <a:p>
-            <a:pPr algn="ctr"/>
-            <a:r>
-              <a:rPr lang="en-US" sz="1400" dirty="0" smtClean="0">
-                <a:latin typeface="Montserrat"/>
-              </a:rPr>
-              <a:t>Spark </a:t>
-            </a:r>
-          </a:p>
-          <a:p>
-            <a:pPr algn="ctr"/>
-            <a:r>
-              <a:rPr lang="en-US" sz="1400" dirty="0" smtClean="0">
-                <a:latin typeface="Montserrat"/>
-              </a:rPr>
-              <a:t>SQL</a:t>
-            </a:r>
-            <a:endParaRPr lang="en-US" sz="1400" dirty="0">
-              <a:latin typeface="Montserrat"/>
-            </a:endParaRPr>
-          </a:p>
-        </p:txBody>
-      </p:sp>
-      <p:sp>
-        <p:nvSpPr>
-          <p:cNvPr id="6" name="Rounded Rectangle 5"/>
-          <p:cNvSpPr/>
-          <p:nvPr/>
-        </p:nvSpPr>
-        <p:spPr>
-          <a:xfrm>
-            <a:off x="2336800" y="1902148"/>
-            <a:ext cx="1371600" cy="2463800"/>
-          </a:xfrm>
-          <a:prstGeom prst="roundRect">
-            <a:avLst/>
-          </a:prstGeom>
-        </p:spPr>
-        <p:style>
-          <a:lnRef idx="1">
-            <a:schemeClr val="accent4"/>
-          </a:lnRef>
-          <a:fillRef idx="2">
-            <a:schemeClr val="accent4"/>
-          </a:fillRef>
-          <a:effectRef idx="1">
-            <a:schemeClr val="accent4"/>
-          </a:effectRef>
-          <a:fontRef idx="minor">
-            <a:schemeClr val="dk1"/>
-          </a:fontRef>
-        </p:style>
-        <p:txBody>
-          <a:bodyPr rtlCol="0" anchor="ctr"/>
-          <a:lstStyle/>
-          <a:p>
-            <a:pPr algn="ctr"/>
-            <a:r>
-              <a:rPr lang="en-US" sz="1400" dirty="0" smtClean="0">
-                <a:latin typeface="Montserrat"/>
-              </a:rPr>
-              <a:t>Spark Streaming</a:t>
-            </a:r>
-            <a:endParaRPr lang="en-US" sz="1400" dirty="0">
-              <a:latin typeface="Montserrat"/>
-            </a:endParaRPr>
-          </a:p>
-        </p:txBody>
-      </p:sp>
-      <p:sp>
-        <p:nvSpPr>
-          <p:cNvPr id="7" name="Rounded Rectangle 6"/>
-          <p:cNvSpPr/>
-          <p:nvPr/>
-        </p:nvSpPr>
-        <p:spPr>
-          <a:xfrm>
-            <a:off x="3860800" y="1902148"/>
-            <a:ext cx="1371600" cy="2463800"/>
-          </a:xfrm>
-          <a:prstGeom prst="roundRect">
-            <a:avLst/>
-          </a:prstGeom>
-        </p:spPr>
-        <p:style>
-          <a:lnRef idx="1">
-            <a:schemeClr val="accent4"/>
-          </a:lnRef>
-          <a:fillRef idx="2">
-            <a:schemeClr val="accent4"/>
-          </a:fillRef>
-          <a:effectRef idx="1">
-            <a:schemeClr val="accent4"/>
-          </a:effectRef>
-          <a:fontRef idx="minor">
-            <a:schemeClr val="dk1"/>
-          </a:fontRef>
-        </p:style>
-        <p:txBody>
-          <a:bodyPr rtlCol="0" anchor="ctr"/>
-          <a:lstStyle/>
-          <a:p>
-            <a:pPr algn="ctr"/>
-            <a:r>
-              <a:rPr lang="en-US" sz="1400" dirty="0" smtClean="0">
-                <a:latin typeface="Montserrat"/>
-              </a:rPr>
-              <a:t>Spark</a:t>
-            </a:r>
-          </a:p>
-          <a:p>
-            <a:pPr algn="ctr"/>
-            <a:r>
-              <a:rPr lang="en-US" sz="1400" dirty="0" smtClean="0">
-                <a:latin typeface="Montserrat"/>
-              </a:rPr>
-              <a:t>MLlib	</a:t>
-            </a:r>
-          </a:p>
-        </p:txBody>
-      </p:sp>
-      <p:sp>
-        <p:nvSpPr>
-          <p:cNvPr id="8" name="Rounded Rectangle 7"/>
-          <p:cNvSpPr/>
-          <p:nvPr/>
-        </p:nvSpPr>
-        <p:spPr>
-          <a:xfrm>
-            <a:off x="5384800" y="1902148"/>
-            <a:ext cx="1371600" cy="2463800"/>
-          </a:xfrm>
-          <a:prstGeom prst="roundRect">
-            <a:avLst/>
-          </a:prstGeom>
-        </p:spPr>
-        <p:style>
-          <a:lnRef idx="1">
-            <a:schemeClr val="accent4"/>
-          </a:lnRef>
-          <a:fillRef idx="2">
-            <a:schemeClr val="accent4"/>
-          </a:fillRef>
-          <a:effectRef idx="1">
-            <a:schemeClr val="accent4"/>
-          </a:effectRef>
-          <a:fontRef idx="minor">
-            <a:schemeClr val="dk1"/>
-          </a:fontRef>
-        </p:style>
-        <p:txBody>
-          <a:bodyPr rtlCol="0" anchor="ctr"/>
-          <a:lstStyle/>
-          <a:p>
-            <a:pPr algn="ctr"/>
-            <a:r>
-              <a:rPr lang="en-US" sz="1400" dirty="0" err="1" smtClean="0">
-                <a:latin typeface="Montserrat"/>
-              </a:rPr>
-              <a:t>SparkR</a:t>
-            </a:r>
-            <a:endParaRPr lang="en-US" sz="1400" dirty="0">
-              <a:latin typeface="Montserrat"/>
-            </a:endParaRPr>
-          </a:p>
-        </p:txBody>
-      </p:sp>
-      <p:sp>
-        <p:nvSpPr>
-          <p:cNvPr id="9" name="Rounded Rectangle 8"/>
-          <p:cNvSpPr/>
-          <p:nvPr/>
-        </p:nvSpPr>
-        <p:spPr>
-          <a:xfrm>
-            <a:off x="6908800" y="1902148"/>
-            <a:ext cx="1371600" cy="2463800"/>
-          </a:xfrm>
-          <a:prstGeom prst="roundRect">
-            <a:avLst/>
-          </a:prstGeom>
-        </p:spPr>
-        <p:style>
-          <a:lnRef idx="1">
-            <a:schemeClr val="accent4"/>
-          </a:lnRef>
-          <a:fillRef idx="2">
-            <a:schemeClr val="accent4"/>
-          </a:fillRef>
-          <a:effectRef idx="1">
-            <a:schemeClr val="accent4"/>
-          </a:effectRef>
-          <a:fontRef idx="minor">
-            <a:schemeClr val="dk1"/>
-          </a:fontRef>
-        </p:style>
-        <p:txBody>
-          <a:bodyPr rtlCol="0" anchor="ctr"/>
-          <a:lstStyle/>
-          <a:p>
-            <a:pPr algn="ctr"/>
-            <a:r>
-              <a:rPr lang="en-US" sz="1400" dirty="0" err="1" smtClean="0">
-                <a:latin typeface="Montserrat"/>
-              </a:rPr>
-              <a:t>GraphX</a:t>
-            </a:r>
-            <a:endParaRPr lang="en-US" sz="1400" dirty="0">
-              <a:latin typeface="Montserrat"/>
-            </a:endParaRPr>
+            <a:r>
+              <a:rPr lang="en-US" dirty="0" smtClean="0"/>
+              <a:t>Spark understands the locality of data:</a:t>
+            </a:r>
+          </a:p>
+          <a:p>
+            <a:pPr lvl="1"/>
+            <a:r>
+              <a:rPr lang="en-US" dirty="0" smtClean="0"/>
+              <a:t>Already in memory</a:t>
+            </a:r>
+          </a:p>
+          <a:p>
+            <a:pPr lvl="1"/>
+            <a:r>
+              <a:rPr lang="en-US" dirty="0" smtClean="0"/>
+              <a:t>HDFS location</a:t>
+            </a:r>
+          </a:p>
+          <a:p>
+            <a:pPr lvl="1"/>
+            <a:r>
+              <a:rPr lang="en-US" dirty="0" smtClean="0"/>
+              <a:t>Cassandra location</a:t>
+            </a:r>
+            <a:endParaRPr lang="en-US" dirty="0"/>
           </a:p>
         </p:txBody>
       </p:sp>
     </p:spTree>
     <p:extLst>
       <p:ext uri="{BB962C8B-B14F-4D97-AF65-F5344CB8AC3E}">
-        <p14:creationId xmlns:p14="http://schemas.microsoft.com/office/powerpoint/2010/main" val="1179171226"/>
+        <p14:creationId xmlns:p14="http://schemas.microsoft.com/office/powerpoint/2010/main" val="546616968"/>
       </p:ext>
     </p:extLst>
   </p:cSld>
@@ -10442,90 +10364,299 @@
       </p:sp>
       <p:sp>
         <p:nvSpPr>
-          <p:cNvPr id="3" name="Content Placeholder 2"/>
-          <p:cNvSpPr>
-            <a:spLocks noGrp="1"/>
-          </p:cNvSpPr>
-          <p:nvPr>
-            <p:ph idx="1"/>
-          </p:nvPr>
-        </p:nvSpPr>
-        <p:spPr/>
-        <p:txBody>
-          <a:bodyPr>
-            <a:normAutofit/>
-          </a:bodyPr>
+          <p:cNvPr id="4" name="Rounded Rectangle 3"/>
+          <p:cNvSpPr/>
+          <p:nvPr/>
+        </p:nvSpPr>
+        <p:spPr>
+          <a:xfrm>
+            <a:off x="812800" y="4510708"/>
+            <a:ext cx="7467600" cy="1117600"/>
+          </a:xfrm>
+          <a:prstGeom prst="roundRect">
+            <a:avLst/>
+          </a:prstGeom>
+        </p:spPr>
+        <p:style>
+          <a:lnRef idx="1">
+            <a:schemeClr val="accent1"/>
+          </a:lnRef>
+          <a:fillRef idx="2">
+            <a:schemeClr val="accent1"/>
+          </a:fillRef>
+          <a:effectRef idx="1">
+            <a:schemeClr val="accent1"/>
+          </a:effectRef>
+          <a:fontRef idx="minor">
+            <a:schemeClr val="dk1"/>
+          </a:fontRef>
+        </p:style>
+        <p:txBody>
+          <a:bodyPr rtlCol="0" anchor="ctr"/>
           <a:lstStyle/>
           <a:p>
-            <a:r>
-              <a:rPr lang="en-US" dirty="0" smtClean="0"/>
-              <a:t>Spark Streaming	</a:t>
-            </a:r>
-          </a:p>
-          <a:p>
-            <a:pPr lvl="1"/>
-            <a:r>
-              <a:rPr lang="en-US" dirty="0" err="1" smtClean="0"/>
-              <a:t>Realtime</a:t>
-            </a:r>
-            <a:r>
-              <a:rPr lang="en-US" dirty="0" smtClean="0"/>
-              <a:t> analysis in Spark</a:t>
-            </a:r>
-          </a:p>
-          <a:p>
-            <a:r>
-              <a:rPr lang="en-US" dirty="0" smtClean="0"/>
+            <a:pPr algn="ctr"/>
+            <a:r>
+              <a:rPr lang="en-US" sz="2800" dirty="0" smtClean="0">
+                <a:latin typeface="Montserrat"/>
+              </a:rPr>
+              <a:t>Spark Core</a:t>
+            </a:r>
+            <a:endParaRPr lang="en-US" sz="2800" dirty="0">
+              <a:latin typeface="Montserrat"/>
+            </a:endParaRPr>
+          </a:p>
+        </p:txBody>
+      </p:sp>
+      <p:sp>
+        <p:nvSpPr>
+          <p:cNvPr id="5" name="Rounded Rectangle 4"/>
+          <p:cNvSpPr/>
+          <p:nvPr/>
+        </p:nvSpPr>
+        <p:spPr>
+          <a:xfrm>
+            <a:off x="812800" y="1902148"/>
+            <a:ext cx="1371600" cy="2463800"/>
+          </a:xfrm>
+          <a:prstGeom prst="roundRect">
+            <a:avLst/>
+          </a:prstGeom>
+        </p:spPr>
+        <p:style>
+          <a:lnRef idx="1">
+            <a:schemeClr val="accent4"/>
+          </a:lnRef>
+          <a:fillRef idx="2">
+            <a:schemeClr val="accent4"/>
+          </a:fillRef>
+          <a:effectRef idx="1">
+            <a:schemeClr val="accent4"/>
+          </a:effectRef>
+          <a:fontRef idx="minor">
+            <a:schemeClr val="dk1"/>
+          </a:fontRef>
+        </p:style>
+        <p:txBody>
+          <a:bodyPr rtlCol="0" anchor="ctr"/>
+          <a:lstStyle/>
+          <a:p>
+            <a:pPr algn="ctr"/>
+            <a:r>
+              <a:rPr lang="en-US" sz="1400" dirty="0" smtClean="0">
+                <a:latin typeface="Montserrat"/>
+              </a:rPr>
               <a:t>Spark </a:t>
             </a:r>
-            <a:r>
-              <a:rPr lang="en-US" dirty="0" err="1" smtClean="0"/>
-              <a:t>MLLib</a:t>
-            </a:r>
-            <a:endParaRPr lang="en-US" dirty="0" smtClean="0"/>
-          </a:p>
-          <a:p>
-            <a:pPr lvl="1"/>
-            <a:r>
-              <a:rPr lang="en-US" dirty="0" smtClean="0"/>
-              <a:t>Like Mahout – Machine learning in Spark</a:t>
-            </a:r>
-          </a:p>
-          <a:p>
-            <a:r>
-              <a:rPr lang="en-US" dirty="0" err="1" smtClean="0"/>
+          </a:p>
+          <a:p>
+            <a:pPr algn="ctr"/>
+            <a:r>
+              <a:rPr lang="en-US" sz="1400" dirty="0" smtClean="0">
+                <a:latin typeface="Montserrat"/>
+              </a:rPr>
+              <a:t>SQL</a:t>
+            </a:r>
+            <a:endParaRPr lang="en-US" sz="1400" dirty="0">
+              <a:latin typeface="Montserrat"/>
+            </a:endParaRPr>
+          </a:p>
+        </p:txBody>
+      </p:sp>
+      <p:sp>
+        <p:nvSpPr>
+          <p:cNvPr id="6" name="Rounded Rectangle 5"/>
+          <p:cNvSpPr/>
+          <p:nvPr/>
+        </p:nvSpPr>
+        <p:spPr>
+          <a:xfrm>
+            <a:off x="2336800" y="1902148"/>
+            <a:ext cx="1371600" cy="2463800"/>
+          </a:xfrm>
+          <a:prstGeom prst="roundRect">
+            <a:avLst/>
+          </a:prstGeom>
+        </p:spPr>
+        <p:style>
+          <a:lnRef idx="1">
+            <a:schemeClr val="accent4"/>
+          </a:lnRef>
+          <a:fillRef idx="2">
+            <a:schemeClr val="accent4"/>
+          </a:fillRef>
+          <a:effectRef idx="1">
+            <a:schemeClr val="accent4"/>
+          </a:effectRef>
+          <a:fontRef idx="minor">
+            <a:schemeClr val="dk1"/>
+          </a:fontRef>
+        </p:style>
+        <p:txBody>
+          <a:bodyPr rtlCol="0" anchor="ctr"/>
+          <a:lstStyle/>
+          <a:p>
+            <a:pPr algn="ctr"/>
+            <a:r>
+              <a:rPr lang="en-US" sz="1400" dirty="0" smtClean="0">
+                <a:latin typeface="Montserrat"/>
+              </a:rPr>
+              <a:t>Spark Streaming</a:t>
+            </a:r>
+            <a:endParaRPr lang="en-US" sz="1400" dirty="0">
+              <a:latin typeface="Montserrat"/>
+            </a:endParaRPr>
+          </a:p>
+        </p:txBody>
+      </p:sp>
+      <p:sp>
+        <p:nvSpPr>
+          <p:cNvPr id="7" name="Rounded Rectangle 6"/>
+          <p:cNvSpPr/>
+          <p:nvPr/>
+        </p:nvSpPr>
+        <p:spPr>
+          <a:xfrm>
+            <a:off x="3860800" y="1902148"/>
+            <a:ext cx="1371600" cy="2463800"/>
+          </a:xfrm>
+          <a:prstGeom prst="roundRect">
+            <a:avLst/>
+          </a:prstGeom>
+        </p:spPr>
+        <p:style>
+          <a:lnRef idx="1">
+            <a:schemeClr val="accent4"/>
+          </a:lnRef>
+          <a:fillRef idx="2">
+            <a:schemeClr val="accent4"/>
+          </a:fillRef>
+          <a:effectRef idx="1">
+            <a:schemeClr val="accent4"/>
+          </a:effectRef>
+          <a:fontRef idx="minor">
+            <a:schemeClr val="dk1"/>
+          </a:fontRef>
+        </p:style>
+        <p:txBody>
+          <a:bodyPr rtlCol="0" anchor="ctr"/>
+          <a:lstStyle/>
+          <a:p>
+            <a:pPr algn="ctr"/>
+            <a:r>
+              <a:rPr lang="en-US" sz="1400" dirty="0" smtClean="0">
+                <a:latin typeface="Montserrat"/>
+              </a:rPr>
+              <a:t>Spark</a:t>
+            </a:r>
+          </a:p>
+          <a:p>
+            <a:pPr algn="ctr"/>
+            <a:r>
+              <a:rPr lang="en-US" sz="1400" dirty="0" smtClean="0">
+                <a:latin typeface="Montserrat"/>
+              </a:rPr>
+              <a:t>MLlib	</a:t>
+            </a:r>
+          </a:p>
+        </p:txBody>
+      </p:sp>
+      <p:sp>
+        <p:nvSpPr>
+          <p:cNvPr id="8" name="Rounded Rectangle 7"/>
+          <p:cNvSpPr/>
+          <p:nvPr/>
+        </p:nvSpPr>
+        <p:spPr>
+          <a:xfrm>
+            <a:off x="5384800" y="1902148"/>
+            <a:ext cx="1371600" cy="2463800"/>
+          </a:xfrm>
+          <a:prstGeom prst="roundRect">
+            <a:avLst/>
+          </a:prstGeom>
+        </p:spPr>
+        <p:style>
+          <a:lnRef idx="1">
+            <a:schemeClr val="accent4"/>
+          </a:lnRef>
+          <a:fillRef idx="2">
+            <a:schemeClr val="accent4"/>
+          </a:fillRef>
+          <a:effectRef idx="1">
+            <a:schemeClr val="accent4"/>
+          </a:effectRef>
+          <a:fontRef idx="minor">
+            <a:schemeClr val="dk1"/>
+          </a:fontRef>
+        </p:style>
+        <p:txBody>
+          <a:bodyPr rtlCol="0" anchor="ctr"/>
+          <a:lstStyle/>
+          <a:p>
+            <a:pPr algn="ctr"/>
+            <a:r>
+              <a:rPr lang="en-US" sz="1400" dirty="0" err="1" smtClean="0">
+                <a:latin typeface="Montserrat"/>
+              </a:rPr>
+              <a:t>SparkR</a:t>
+            </a:r>
+            <a:endParaRPr lang="en-US" sz="1400" dirty="0">
+              <a:latin typeface="Montserrat"/>
+            </a:endParaRPr>
+          </a:p>
+        </p:txBody>
+      </p:sp>
+      <p:sp>
+        <p:nvSpPr>
+          <p:cNvPr id="9" name="Rounded Rectangle 8"/>
+          <p:cNvSpPr/>
+          <p:nvPr/>
+        </p:nvSpPr>
+        <p:spPr>
+          <a:xfrm>
+            <a:off x="6908800" y="1902148"/>
+            <a:ext cx="1371600" cy="2463800"/>
+          </a:xfrm>
+          <a:prstGeom prst="roundRect">
+            <a:avLst/>
+          </a:prstGeom>
+        </p:spPr>
+        <p:style>
+          <a:lnRef idx="1">
+            <a:schemeClr val="accent4"/>
+          </a:lnRef>
+          <a:fillRef idx="2">
+            <a:schemeClr val="accent4"/>
+          </a:fillRef>
+          <a:effectRef idx="1">
+            <a:schemeClr val="accent4"/>
+          </a:effectRef>
+          <a:fontRef idx="minor">
+            <a:schemeClr val="dk1"/>
+          </a:fontRef>
+        </p:style>
+        <p:txBody>
+          <a:bodyPr rtlCol="0" anchor="ctr"/>
+          <a:lstStyle/>
+          <a:p>
+            <a:pPr algn="ctr"/>
+            <a:r>
+              <a:rPr lang="en-US" sz="1400" dirty="0" err="1" smtClean="0">
+                <a:latin typeface="Montserrat"/>
+              </a:rPr>
               <a:t>GraphX</a:t>
             </a:r>
-            <a:endParaRPr lang="en-US" dirty="0" smtClean="0"/>
-          </a:p>
-          <a:p>
-            <a:pPr lvl="1"/>
-            <a:r>
-              <a:rPr lang="en-US" dirty="0" smtClean="0"/>
-              <a:t>Graph processing in Spark</a:t>
-            </a:r>
-          </a:p>
-          <a:p>
-            <a:r>
-              <a:rPr lang="en-US" dirty="0" err="1" smtClean="0"/>
-              <a:t>SparkR</a:t>
-            </a:r>
-            <a:endParaRPr lang="en-US" dirty="0" smtClean="0"/>
-          </a:p>
-          <a:p>
-            <a:pPr lvl="1"/>
-            <a:r>
-              <a:rPr lang="en-US" dirty="0" smtClean="0"/>
-              <a:t>R statistical analysis on Spark</a:t>
-            </a:r>
-            <a:endParaRPr lang="en-US" dirty="0"/>
+            <a:endParaRPr lang="en-US" sz="1400" dirty="0">
+              <a:latin typeface="Montserrat"/>
+            </a:endParaRPr>
           </a:p>
         </p:txBody>
       </p:sp>
     </p:spTree>
     <p:extLst>
       <p:ext uri="{BB962C8B-B14F-4D97-AF65-F5344CB8AC3E}">
-        <p14:creationId xmlns:p14="http://schemas.microsoft.com/office/powerpoint/2010/main" val="2973337137"/>
+        <p14:creationId xmlns:p14="http://schemas.microsoft.com/office/powerpoint/2010/main" val="1179171226"/>
       </p:ext>
     </p:extLst>
   </p:cSld>
@@ -10576,7 +10707,7 @@
           <a:p>
             <a:r>
               <a:rPr lang="en-US" dirty="0" smtClean="0"/>
-              <a:t>Spark MLlib</a:t>
+              <a:t>Spark Extras</a:t>
             </a:r>
             <a:endParaRPr lang="en-US" dirty="0"/>
           </a:p>
@@ -10595,66 +10726,70 @@
         <p:spPr/>
         <p:txBody>
           <a:bodyPr>
-            <a:normAutofit lnSpcReduction="10000"/>
+            <a:normAutofit/>
           </a:bodyPr>
           <a:lstStyle/>
           <a:p>
             <a:r>
               <a:rPr lang="en-US" dirty="0" smtClean="0"/>
-              <a:t>Simple stats and correlation testing</a:t>
-            </a:r>
-          </a:p>
-          <a:p>
-            <a:r>
-              <a:rPr lang="en-US" dirty="0" smtClean="0"/>
-              <a:t>Classification and regression</a:t>
-            </a:r>
-          </a:p>
-          <a:p>
-            <a:r>
-              <a:rPr lang="en-US" dirty="0" smtClean="0"/>
-              <a:t>Collaborative Filtering</a:t>
+              <a:t>Spark Streaming	</a:t>
             </a:r>
           </a:p>
           <a:p>
             <a:pPr lvl="1"/>
             <a:r>
-              <a:rPr lang="en-US" dirty="0" smtClean="0"/>
-              <a:t>Alternating Least Squares </a:t>
-            </a:r>
-          </a:p>
-          <a:p>
-            <a:r>
-              <a:rPr lang="en-US" dirty="0" smtClean="0"/>
-              <a:t>Clustering</a:t>
-            </a:r>
+              <a:rPr lang="en-US" dirty="0" err="1" smtClean="0"/>
+              <a:t>Realtime</a:t>
+            </a:r>
+            <a:r>
+              <a:rPr lang="en-US" dirty="0" smtClean="0"/>
+              <a:t> analysis in Spark</a:t>
+            </a:r>
+          </a:p>
+          <a:p>
+            <a:r>
+              <a:rPr lang="en-US" dirty="0" smtClean="0"/>
+              <a:t>Spark </a:t>
+            </a:r>
+            <a:r>
+              <a:rPr lang="en-US" dirty="0" err="1" smtClean="0"/>
+              <a:t>MLLib</a:t>
+            </a:r>
+            <a:endParaRPr lang="en-US" dirty="0" smtClean="0"/>
           </a:p>
           <a:p>
             <a:pPr lvl="1"/>
             <a:r>
-              <a:rPr lang="en-US" dirty="0"/>
-              <a:t>k</a:t>
-            </a:r>
-            <a:r>
-              <a:rPr lang="en-US" dirty="0" smtClean="0"/>
-              <a:t>-means, </a:t>
-            </a:r>
+              <a:rPr lang="en-US" dirty="0" smtClean="0"/>
+              <a:t>Like Mahout – Machine learning in Spark</a:t>
+            </a:r>
+          </a:p>
+          <a:p>
             <a:r>
               <a:rPr lang="en-US" dirty="0" err="1" smtClean="0"/>
-              <a:t>etc</a:t>
+              <a:t>GraphX</a:t>
             </a:r>
             <a:endParaRPr lang="en-US" dirty="0" smtClean="0"/>
           </a:p>
           <a:p>
-            <a:r>
-              <a:rPr lang="en-US" dirty="0" smtClean="0"/>
-              <a:t>Frequent Pattern Mining</a:t>
-            </a:r>
-          </a:p>
-          <a:p>
-            <a:r>
-              <a:rPr lang="en-US" dirty="0" smtClean="0"/>
-              <a:t>Plus more</a:t>
+            <a:pPr lvl="1"/>
+            <a:r>
+              <a:rPr lang="en-US" dirty="0" smtClean="0"/>
+              <a:t>Graph processing in Spark</a:t>
+            </a:r>
+          </a:p>
+          <a:p>
+            <a:r>
+              <a:rPr lang="en-US" dirty="0" err="1" smtClean="0"/>
+              <a:t>SparkR</a:t>
+            </a:r>
+            <a:endParaRPr lang="en-US" dirty="0" smtClean="0"/>
+          </a:p>
+          <a:p>
+            <a:pPr lvl="1"/>
+            <a:r>
+              <a:rPr lang="en-US" dirty="0" smtClean="0"/>
+              <a:t>R statistical analysis on Spark</a:t>
             </a:r>
             <a:endParaRPr lang="en-US" dirty="0"/>
           </a:p>
@@ -10663,7 +10798,7 @@
     </p:spTree>
     <p:extLst>
       <p:ext uri="{BB962C8B-B14F-4D97-AF65-F5344CB8AC3E}">
-        <p14:creationId xmlns:p14="http://schemas.microsoft.com/office/powerpoint/2010/main" val="3869310880"/>
+        <p14:creationId xmlns:p14="http://schemas.microsoft.com/office/powerpoint/2010/main" val="2973337137"/>
       </p:ext>
     </p:extLst>
   </p:cSld>
@@ -10714,6 +10849,144 @@
           <a:p>
             <a:r>
               <a:rPr lang="en-US" dirty="0" smtClean="0"/>
+              <a:t>Spark MLlib</a:t>
+            </a:r>
+            <a:endParaRPr lang="en-US" dirty="0"/>
+          </a:p>
+        </p:txBody>
+      </p:sp>
+      <p:sp>
+        <p:nvSpPr>
+          <p:cNvPr id="3" name="Content Placeholder 2"/>
+          <p:cNvSpPr>
+            <a:spLocks noGrp="1"/>
+          </p:cNvSpPr>
+          <p:nvPr>
+            <p:ph idx="1"/>
+          </p:nvPr>
+        </p:nvSpPr>
+        <p:spPr/>
+        <p:txBody>
+          <a:bodyPr>
+            <a:normAutofit lnSpcReduction="10000"/>
+          </a:bodyPr>
+          <a:lstStyle/>
+          <a:p>
+            <a:r>
+              <a:rPr lang="en-US" dirty="0" smtClean="0"/>
+              <a:t>Simple stats and correlation testing</a:t>
+            </a:r>
+          </a:p>
+          <a:p>
+            <a:r>
+              <a:rPr lang="en-US" dirty="0" smtClean="0"/>
+              <a:t>Classification and regression</a:t>
+            </a:r>
+          </a:p>
+          <a:p>
+            <a:r>
+              <a:rPr lang="en-US" dirty="0" smtClean="0"/>
+              <a:t>Collaborative Filtering</a:t>
+            </a:r>
+          </a:p>
+          <a:p>
+            <a:pPr lvl="1"/>
+            <a:r>
+              <a:rPr lang="en-US" dirty="0" smtClean="0"/>
+              <a:t>Alternating Least Squares </a:t>
+            </a:r>
+          </a:p>
+          <a:p>
+            <a:r>
+              <a:rPr lang="en-US" dirty="0" smtClean="0"/>
+              <a:t>Clustering</a:t>
+            </a:r>
+          </a:p>
+          <a:p>
+            <a:pPr lvl="1"/>
+            <a:r>
+              <a:rPr lang="en-US" dirty="0"/>
+              <a:t>k</a:t>
+            </a:r>
+            <a:r>
+              <a:rPr lang="en-US" dirty="0" smtClean="0"/>
+              <a:t>-means, </a:t>
+            </a:r>
+            <a:r>
+              <a:rPr lang="en-US" dirty="0" err="1" smtClean="0"/>
+              <a:t>etc</a:t>
+            </a:r>
+            <a:endParaRPr lang="en-US" dirty="0" smtClean="0"/>
+          </a:p>
+          <a:p>
+            <a:r>
+              <a:rPr lang="en-US" dirty="0" smtClean="0"/>
+              <a:t>Frequent Pattern Mining</a:t>
+            </a:r>
+          </a:p>
+          <a:p>
+            <a:r>
+              <a:rPr lang="en-US" dirty="0" smtClean="0"/>
+              <a:t>Plus more</a:t>
+            </a:r>
+            <a:endParaRPr lang="en-US" dirty="0"/>
+          </a:p>
+        </p:txBody>
+      </p:sp>
+    </p:spTree>
+    <p:extLst>
+      <p:ext uri="{BB962C8B-B14F-4D97-AF65-F5344CB8AC3E}">
+        <p14:creationId xmlns:p14="http://schemas.microsoft.com/office/powerpoint/2010/main" val="3869310880"/>
+      </p:ext>
+    </p:extLst>
+  </p:cSld>
+  <p:clrMapOvr>
+    <a:masterClrMapping/>
+  </p:clrMapOvr>
+  <p:timing>
+    <p:tnLst>
+      <p:par>
+        <p:cTn xmlns:p14="http://schemas.microsoft.com/office/powerpoint/2010/main" id="1" dur="indefinite" restart="never" nodeType="tmRoot"/>
+      </p:par>
+    </p:tnLst>
+  </p:timing>
+</p:sld>
+</file>
+
+<file path=ppt/slides/slide46.xml><?xml version="1.0" encoding="utf-8"?>
+<p:sld xmlns:a="http://schemas.openxmlformats.org/drawingml/2006/main" xmlns:r="http://schemas.openxmlformats.org/officeDocument/2006/relationships" xmlns:p="http://schemas.openxmlformats.org/presentationml/2006/main">
+  <p:cSld>
+    <p:spTree>
+      <p:nvGrpSpPr>
+        <p:cNvPr id="1" name=""/>
+        <p:cNvGrpSpPr/>
+        <p:nvPr/>
+      </p:nvGrpSpPr>
+      <p:grpSpPr>
+        <a:xfrm>
+          <a:off x="0" y="0"/>
+          <a:ext cx="0" cy="0"/>
+          <a:chOff x="0" y="0"/>
+          <a:chExt cx="0" cy="0"/>
+        </a:xfrm>
+      </p:grpSpPr>
+      <p:sp>
+        <p:nvSpPr>
+          <p:cNvPr id="2" name="Title 1"/>
+          <p:cNvSpPr>
+            <a:spLocks noGrp="1"/>
+          </p:cNvSpPr>
+          <p:nvPr>
+            <p:ph type="title"/>
+          </p:nvPr>
+        </p:nvSpPr>
+        <p:spPr/>
+        <p:txBody>
+          <a:bodyPr/>
+          <a:lstStyle/>
+          <a:p>
+            <a:r>
+              <a:rPr lang="en-US" dirty="0" smtClean="0"/>
               <a:t>MLlib example</a:t>
             </a:r>
             <a:endParaRPr lang="en-US" dirty="0"/>
@@ -11041,7 +11314,7 @@
 </p:sld>
 </file>
 
-<file path=ppt/slides/slide46.xml><?xml version="1.0" encoding="utf-8"?>
+<file path=ppt/slides/slide47.xml><?xml version="1.0" encoding="utf-8"?>
 <p:sld xmlns:a="http://schemas.openxmlformats.org/drawingml/2006/main" xmlns:r="http://schemas.openxmlformats.org/officeDocument/2006/relationships" xmlns:p="http://schemas.openxmlformats.org/presentationml/2006/main">
   <p:cSld>
     <p:spTree>
@@ -11174,7 +11447,7 @@
 </p:sld>
 </file>
 
-<file path=ppt/slides/slide47.xml><?xml version="1.0" encoding="utf-8"?>
+<file path=ppt/slides/slide48.xml><?xml version="1.0" encoding="utf-8"?>
 <p:sld xmlns:a="http://schemas.openxmlformats.org/drawingml/2006/main" xmlns:r="http://schemas.openxmlformats.org/officeDocument/2006/relationships" xmlns:p="http://schemas.openxmlformats.org/presentationml/2006/main">
   <p:cSld>
     <p:spTree>
@@ -11309,101 +11582,6 @@
 </p:sld>
 </file>
 
-<file path=ppt/slides/slide48.xml><?xml version="1.0" encoding="utf-8"?>
-<p:sld xmlns:a="http://schemas.openxmlformats.org/drawingml/2006/main" xmlns:r="http://schemas.openxmlformats.org/officeDocument/2006/relationships" xmlns:p="http://schemas.openxmlformats.org/presentationml/2006/main">
-  <p:cSld>
-    <p:spTree>
-      <p:nvGrpSpPr>
-        <p:cNvPr id="1" name=""/>
-        <p:cNvGrpSpPr/>
-        <p:nvPr/>
-      </p:nvGrpSpPr>
-      <p:grpSpPr>
-        <a:xfrm>
-          <a:off x="0" y="0"/>
-          <a:ext cx="0" cy="0"/>
-          <a:chOff x="0" y="0"/>
-          <a:chExt cx="0" cy="0"/>
-        </a:xfrm>
-      </p:grpSpPr>
-      <p:sp>
-        <p:nvSpPr>
-          <p:cNvPr id="2" name="Title 1"/>
-          <p:cNvSpPr>
-            <a:spLocks noGrp="1"/>
-          </p:cNvSpPr>
-          <p:nvPr>
-            <p:ph type="title"/>
-          </p:nvPr>
-        </p:nvSpPr>
-        <p:spPr/>
-        <p:txBody>
-          <a:bodyPr/>
-          <a:lstStyle/>
-          <a:p>
-            <a:r>
-              <a:rPr lang="en-US" dirty="0" err="1" smtClean="0"/>
-              <a:t>SparkR</a:t>
-            </a:r>
-            <a:endParaRPr lang="en-US" dirty="0"/>
-          </a:p>
-        </p:txBody>
-      </p:sp>
-      <p:sp>
-        <p:nvSpPr>
-          <p:cNvPr id="3" name="Content Placeholder 2"/>
-          <p:cNvSpPr>
-            <a:spLocks noGrp="1"/>
-          </p:cNvSpPr>
-          <p:nvPr>
-            <p:ph idx="1"/>
-          </p:nvPr>
-        </p:nvSpPr>
-        <p:spPr/>
-        <p:txBody>
-          <a:bodyPr/>
-          <a:lstStyle/>
-          <a:p>
-            <a:r>
-              <a:rPr lang="en-US" dirty="0" smtClean="0"/>
-              <a:t>A lightweight approach to use Spark from within R</a:t>
-            </a:r>
-          </a:p>
-          <a:p>
-            <a:r>
-              <a:rPr lang="en-US" dirty="0" smtClean="0"/>
-              <a:t>Also works with MLlib for machine learning</a:t>
-            </a:r>
-          </a:p>
-          <a:p>
-            <a:r>
-              <a:rPr lang="en-US" dirty="0" smtClean="0"/>
-              <a:t>Allows complex statistical analysis to be done on a Spark cluster </a:t>
-            </a:r>
-            <a:endParaRPr lang="en-US" dirty="0"/>
-          </a:p>
-        </p:txBody>
-      </p:sp>
-    </p:spTree>
-    <p:extLst>
-      <p:ext uri="{BB962C8B-B14F-4D97-AF65-F5344CB8AC3E}">
-        <p14:creationId xmlns:p14="http://schemas.microsoft.com/office/powerpoint/2010/main" val="3906456086"/>
-      </p:ext>
-    </p:extLst>
-  </p:cSld>
-  <p:clrMapOvr>
-    <a:masterClrMapping/>
-  </p:clrMapOvr>
-  <p:timing>
-    <p:tnLst>
-      <p:par>
-        <p:cTn xmlns:p14="http://schemas.microsoft.com/office/powerpoint/2010/main" id="1" dur="indefinite" restart="never" nodeType="tmRoot"/>
-      </p:par>
-    </p:tnLst>
-  </p:timing>
-</p:sld>
-</file>
-
 <file path=ppt/slides/slide49.xml><?xml version="1.0" encoding="utf-8"?>
 <p:sld xmlns:a="http://schemas.openxmlformats.org/drawingml/2006/main" xmlns:r="http://schemas.openxmlformats.org/officeDocument/2006/relationships" xmlns:p="http://schemas.openxmlformats.org/presentationml/2006/main">
   <p:cSld>
@@ -11437,8 +11615,43 @@
           <a:lstStyle/>
           <a:p>
             <a:r>
-              <a:rPr lang="en-US" dirty="0" smtClean="0"/>
-              <a:t>Questions?</a:t>
+              <a:rPr lang="en-US" dirty="0" err="1" smtClean="0"/>
+              <a:t>SparkR</a:t>
+            </a:r>
+            <a:endParaRPr lang="en-US" dirty="0"/>
+          </a:p>
+        </p:txBody>
+      </p:sp>
+      <p:sp>
+        <p:nvSpPr>
+          <p:cNvPr id="3" name="Content Placeholder 2"/>
+          <p:cNvSpPr>
+            <a:spLocks noGrp="1"/>
+          </p:cNvSpPr>
+          <p:nvPr>
+            <p:ph idx="1"/>
+          </p:nvPr>
+        </p:nvSpPr>
+        <p:spPr/>
+        <p:txBody>
+          <a:bodyPr/>
+          <a:lstStyle/>
+          <a:p>
+            <a:r>
+              <a:rPr lang="en-US" dirty="0" smtClean="0"/>
+              <a:t>A lightweight approach to use Spark from within R</a:t>
+            </a:r>
+          </a:p>
+          <a:p>
+            <a:r>
+              <a:rPr lang="en-US" dirty="0" smtClean="0"/>
+              <a:t>Also works with MLlib for machine learning</a:t>
+            </a:r>
+          </a:p>
+          <a:p>
+            <a:r>
+              <a:rPr lang="en-US" dirty="0" smtClean="0"/>
+              <a:t>Allows complex statistical analysis to be done on a Spark cluster </a:t>
             </a:r>
             <a:endParaRPr lang="en-US" dirty="0"/>
           </a:p>
@@ -11447,7 +11660,7 @@
     </p:spTree>
     <p:extLst>
       <p:ext uri="{BB962C8B-B14F-4D97-AF65-F5344CB8AC3E}">
-        <p14:creationId xmlns:p14="http://schemas.microsoft.com/office/powerpoint/2010/main" val="4217437947"/>
+        <p14:creationId xmlns:p14="http://schemas.microsoft.com/office/powerpoint/2010/main" val="3906456086"/>
       </p:ext>
     </p:extLst>
   </p:cSld>
@@ -11566,6 +11779,66 @@
     <p:extLst>
       <p:ext uri="{BB962C8B-B14F-4D97-AF65-F5344CB8AC3E}">
         <p14:creationId xmlns:p14="http://schemas.microsoft.com/office/powerpoint/2010/main" val="2317227993"/>
+      </p:ext>
+    </p:extLst>
+  </p:cSld>
+  <p:clrMapOvr>
+    <a:masterClrMapping/>
+  </p:clrMapOvr>
+  <p:timing>
+    <p:tnLst>
+      <p:par>
+        <p:cTn xmlns:p14="http://schemas.microsoft.com/office/powerpoint/2010/main" id="1" dur="indefinite" restart="never" nodeType="tmRoot"/>
+      </p:par>
+    </p:tnLst>
+  </p:timing>
+</p:sld>
+</file>
+
+<file path=ppt/slides/slide50.xml><?xml version="1.0" encoding="utf-8"?>
+<p:sld xmlns:a="http://schemas.openxmlformats.org/drawingml/2006/main" xmlns:r="http://schemas.openxmlformats.org/officeDocument/2006/relationships" xmlns:p="http://schemas.openxmlformats.org/presentationml/2006/main">
+  <p:cSld>
+    <p:spTree>
+      <p:nvGrpSpPr>
+        <p:cNvPr id="1" name=""/>
+        <p:cNvGrpSpPr/>
+        <p:nvPr/>
+      </p:nvGrpSpPr>
+      <p:grpSpPr>
+        <a:xfrm>
+          <a:off x="0" y="0"/>
+          <a:ext cx="0" cy="0"/>
+          <a:chOff x="0" y="0"/>
+          <a:chExt cx="0" cy="0"/>
+        </a:xfrm>
+      </p:grpSpPr>
+      <p:sp>
+        <p:nvSpPr>
+          <p:cNvPr id="2" name="Title 1"/>
+          <p:cNvSpPr>
+            <a:spLocks noGrp="1"/>
+          </p:cNvSpPr>
+          <p:nvPr>
+            <p:ph type="title"/>
+          </p:nvPr>
+        </p:nvSpPr>
+        <p:spPr/>
+        <p:txBody>
+          <a:bodyPr/>
+          <a:lstStyle/>
+          <a:p>
+            <a:r>
+              <a:rPr lang="en-US" dirty="0" smtClean="0"/>
+              <a:t>Questions?</a:t>
+            </a:r>
+            <a:endParaRPr lang="en-US" dirty="0"/>
+          </a:p>
+        </p:txBody>
+      </p:sp>
+    </p:spTree>
+    <p:extLst>
+      <p:ext uri="{BB962C8B-B14F-4D97-AF65-F5344CB8AC3E}">
+        <p14:creationId xmlns:p14="http://schemas.microsoft.com/office/powerpoint/2010/main" val="4217437947"/>
       </p:ext>
     </p:extLst>
   </p:cSld>

--- a/pres-source/08-spark-and-adjuncts.pptx
+++ b/pres-source/08-spark-and-adjuncts.pptx
@@ -246,7 +246,7 @@
             <a:fld id="{7307762F-A706-E543-A832-3C298AA3103F}" type="datetimeFigureOut">
               <a:rPr lang="en-US" smtClean="0"/>
               <a:pPr/>
-              <a:t>14/09/17</a:t>
+              <a:t>18/07/18</a:t>
             </a:fld>
             <a:endParaRPr lang="en-US" dirty="0"/>
           </a:p>
@@ -820,7 +820,7 @@
             <a:fld id="{875CF0EB-321F-0749-B37A-89BBA859503C}" type="datetimeFigureOut">
               <a:rPr lang="en-US" smtClean="0"/>
               <a:pPr/>
-              <a:t>14/09/17</a:t>
+              <a:t>18/07/18</a:t>
             </a:fld>
             <a:endParaRPr lang="en-US" dirty="0"/>
           </a:p>
@@ -1044,7 +1044,7 @@
             <a:fld id="{875CF0EB-321F-0749-B37A-89BBA859503C}" type="datetimeFigureOut">
               <a:rPr lang="en-US" smtClean="0"/>
               <a:pPr/>
-              <a:t>14/09/17</a:t>
+              <a:t>18/07/18</a:t>
             </a:fld>
             <a:endParaRPr lang="en-US" dirty="0"/>
           </a:p>
@@ -1258,7 +1258,7 @@
             <a:fld id="{875CF0EB-321F-0749-B37A-89BBA859503C}" type="datetimeFigureOut">
               <a:rPr lang="en-US" smtClean="0"/>
               <a:pPr/>
-              <a:t>14/09/17</a:t>
+              <a:t>18/07/18</a:t>
             </a:fld>
             <a:endParaRPr lang="en-US" dirty="0"/>
           </a:p>
@@ -1548,7 +1548,7 @@
             <a:fld id="{875CF0EB-321F-0749-B37A-89BBA859503C}" type="datetimeFigureOut">
               <a:rPr lang="en-US" smtClean="0"/>
               <a:pPr/>
-              <a:t>14/09/17</a:t>
+              <a:t>18/07/18</a:t>
             </a:fld>
             <a:endParaRPr lang="en-US" dirty="0"/>
           </a:p>
@@ -1880,7 +1880,7 @@
             <a:fld id="{875CF0EB-321F-0749-B37A-89BBA859503C}" type="datetimeFigureOut">
               <a:rPr lang="en-US" smtClean="0"/>
               <a:pPr/>
-              <a:t>14/09/17</a:t>
+              <a:t>18/07/18</a:t>
             </a:fld>
             <a:endParaRPr lang="en-US" dirty="0"/>
           </a:p>
@@ -2346,7 +2346,7 @@
             <a:fld id="{875CF0EB-321F-0749-B37A-89BBA859503C}" type="datetimeFigureOut">
               <a:rPr lang="en-US" smtClean="0"/>
               <a:pPr/>
-              <a:t>14/09/17</a:t>
+              <a:t>18/07/18</a:t>
             </a:fld>
             <a:endParaRPr lang="en-US" dirty="0"/>
           </a:p>
@@ -2508,7 +2508,7 @@
             <a:fld id="{875CF0EB-321F-0749-B37A-89BBA859503C}" type="datetimeFigureOut">
               <a:rPr lang="en-US" smtClean="0"/>
               <a:pPr/>
-              <a:t>14/09/17</a:t>
+              <a:t>18/07/18</a:t>
             </a:fld>
             <a:endParaRPr lang="en-US" dirty="0"/>
           </a:p>
@@ -2647,7 +2647,7 @@
             <a:fld id="{875CF0EB-321F-0749-B37A-89BBA859503C}" type="datetimeFigureOut">
               <a:rPr lang="en-US" smtClean="0"/>
               <a:pPr/>
-              <a:t>14/09/17</a:t>
+              <a:t>18/07/18</a:t>
             </a:fld>
             <a:endParaRPr lang="en-US" dirty="0"/>
           </a:p>
@@ -2968,7 +2968,7 @@
             <a:fld id="{875CF0EB-321F-0749-B37A-89BBA859503C}" type="datetimeFigureOut">
               <a:rPr lang="en-US" smtClean="0"/>
               <a:pPr/>
-              <a:t>14/09/17</a:t>
+              <a:t>18/07/18</a:t>
             </a:fld>
             <a:endParaRPr lang="en-US" dirty="0"/>
           </a:p>
@@ -3265,7 +3265,7 @@
             <a:fld id="{875CF0EB-321F-0749-B37A-89BBA859503C}" type="datetimeFigureOut">
               <a:rPr lang="en-US" smtClean="0"/>
               <a:pPr/>
-              <a:t>14/09/17</a:t>
+              <a:t>18/07/18</a:t>
             </a:fld>
             <a:endParaRPr lang="en-US" dirty="0"/>
           </a:p>
@@ -4198,7 +4198,7 @@
                 <a:ea typeface="ヒラギノ角ゴ ProN W3" charset="0"/>
                 <a:cs typeface="ヒラギノ角ゴ ProN W3" charset="0"/>
               </a:rPr>
-              <a:t>Sept 2017</a:t>
+              <a:t>July 2018</a:t>
             </a:r>
             <a:endParaRPr lang="en-US" dirty="0">
               <a:ea typeface="ヒラギノ角ゴ ProN W3" charset="0"/>
